--- a/documentation/Sonic PI Workshop_en.pptx
+++ b/documentation/Sonic PI Workshop_en.pptx
@@ -129,7 +129,7 @@
   </p:defaultTextStyle>
   <p:extLst>
     <p:ext uri="{EFAFB233-063F-42B5-8137-9DF3F51BA10A}">
-      <p15:sldGuideLst xmlns="" xmlns:p15="http://schemas.microsoft.com/office/powerpoint/2012/main">
+      <p15:sldGuideLst xmlns:p15="http://schemas.microsoft.com/office/powerpoint/2012/main">
         <p15:guide id="1" orient="horz" pos="2880" userDrawn="1">
           <p15:clr>
             <a:srgbClr val="A4A3A4"/>
@@ -143,7 +143,7 @@
       </p15:sldGuideLst>
     </p:ext>
     <p:ext uri="{2D200454-40CA-4A62-9FC3-DE9A4176ACB9}">
-      <p15:notesGuideLst xmlns="" xmlns:p15="http://schemas.microsoft.com/office/powerpoint/2012/main"/>
+      <p15:notesGuideLst xmlns:p15="http://schemas.microsoft.com/office/powerpoint/2012/main"/>
     </p:ext>
   </p:extLst>
 </p:presentation>
@@ -232,7 +232,7 @@
             <a:fld id="{7FD773D1-FC60-4896-8BCC-9B28FBDAB5FD}" type="datetimeFigureOut">
               <a:rPr lang="de-DE" smtClean="0"/>
               <a:pPr/>
-              <a:t>23.03.2016</a:t>
+              <a:t>25.03.2016</a:t>
             </a:fld>
             <a:endParaRPr lang="de-DE"/>
           </a:p>
@@ -308,7 +308,7 @@
     </p:spTree>
     <p:extLst>
       <p:ext uri="{BB962C8B-B14F-4D97-AF65-F5344CB8AC3E}">
-        <p14:creationId xmlns="" xmlns:p14="http://schemas.microsoft.com/office/powerpoint/2010/main" val="2388778202"/>
+        <p14:creationId xmlns:p14="http://schemas.microsoft.com/office/powerpoint/2010/main" val="2388778202"/>
       </p:ext>
     </p:extLst>
   </p:cSld>
@@ -399,7 +399,7 @@
             <a:fld id="{72145D81-8E55-40FC-9585-CFDCFEF92FEB}" type="datetimeFigureOut">
               <a:rPr lang="de-DE" smtClean="0"/>
               <a:pPr/>
-              <a:t>23.03.2016</a:t>
+              <a:t>25.03.2016</a:t>
             </a:fld>
             <a:endParaRPr lang="de-DE"/>
           </a:p>
@@ -568,7 +568,7 @@
     </p:spTree>
     <p:extLst>
       <p:ext uri="{BB962C8B-B14F-4D97-AF65-F5344CB8AC3E}">
-        <p14:creationId xmlns="" xmlns:p14="http://schemas.microsoft.com/office/powerpoint/2010/main" val="1984578866"/>
+        <p14:creationId xmlns:p14="http://schemas.microsoft.com/office/powerpoint/2010/main" val="1984578866"/>
       </p:ext>
     </p:extLst>
   </p:cSld>
@@ -743,7 +743,7 @@
     </p:spTree>
     <p:extLst>
       <p:ext uri="{BB962C8B-B14F-4D97-AF65-F5344CB8AC3E}">
-        <p14:creationId xmlns="" xmlns:p14="http://schemas.microsoft.com/office/powerpoint/2010/main" val="4054934049"/>
+        <p14:creationId xmlns:p14="http://schemas.microsoft.com/office/powerpoint/2010/main" val="4054934049"/>
       </p:ext>
     </p:extLst>
   </p:cSld>
@@ -828,7 +828,7 @@
     </p:spTree>
     <p:extLst>
       <p:ext uri="{BB962C8B-B14F-4D97-AF65-F5344CB8AC3E}">
-        <p14:creationId xmlns="" xmlns:p14="http://schemas.microsoft.com/office/powerpoint/2010/main" val="762545407"/>
+        <p14:creationId xmlns:p14="http://schemas.microsoft.com/office/powerpoint/2010/main" val="762545407"/>
       </p:ext>
     </p:extLst>
   </p:cSld>
@@ -1486,7 +1486,7 @@
     </p:spTree>
     <p:extLst>
       <p:ext uri="{BB962C8B-B14F-4D97-AF65-F5344CB8AC3E}">
-        <p14:creationId xmlns="" xmlns:p14="http://schemas.microsoft.com/office/powerpoint/2010/main" val="3388351758"/>
+        <p14:creationId xmlns:p14="http://schemas.microsoft.com/office/powerpoint/2010/main" val="3388351758"/>
       </p:ext>
     </p:extLst>
   </p:cSld>
@@ -1821,7 +1821,7 @@
     </p:spTree>
     <p:extLst>
       <p:ext uri="{BB962C8B-B14F-4D97-AF65-F5344CB8AC3E}">
-        <p14:creationId xmlns="" xmlns:p14="http://schemas.microsoft.com/office/powerpoint/2010/main" val="1756338724"/>
+        <p14:creationId xmlns:p14="http://schemas.microsoft.com/office/powerpoint/2010/main" val="1756338724"/>
       </p:ext>
     </p:extLst>
   </p:cSld>
@@ -2156,7 +2156,7 @@
     </p:spTree>
     <p:extLst>
       <p:ext uri="{BB962C8B-B14F-4D97-AF65-F5344CB8AC3E}">
-        <p14:creationId xmlns="" xmlns:p14="http://schemas.microsoft.com/office/powerpoint/2010/main" val="720233445"/>
+        <p14:creationId xmlns:p14="http://schemas.microsoft.com/office/powerpoint/2010/main" val="720233445"/>
       </p:ext>
     </p:extLst>
   </p:cSld>
@@ -2488,7 +2488,7 @@
     </p:spTree>
     <p:extLst>
       <p:ext uri="{BB962C8B-B14F-4D97-AF65-F5344CB8AC3E}">
-        <p14:creationId xmlns="" xmlns:p14="http://schemas.microsoft.com/office/powerpoint/2010/main" val="1448331384"/>
+        <p14:creationId xmlns:p14="http://schemas.microsoft.com/office/powerpoint/2010/main" val="1448331384"/>
       </p:ext>
     </p:extLst>
   </p:cSld>
@@ -2639,7 +2639,7 @@
             <a:fld id="{421FAFA7-FD27-4797-86F0-797A053F7FF1}" type="datetimeFigureOut">
               <a:rPr lang="de-DE" smtClean="0"/>
               <a:pPr/>
-              <a:t>23.03.2016</a:t>
+              <a:t>25.03.2016</a:t>
             </a:fld>
             <a:endParaRPr lang="de-DE"/>
           </a:p>
@@ -3682,15 +3682,7 @@
             <a:pPr algn="r"/>
             <a:r>
               <a:rPr lang="de-DE" sz="1100" dirty="0" smtClean="0"/>
-              <a:t>b</a:t>
-            </a:r>
-            <a:r>
-              <a:rPr lang="de-DE" sz="1100" dirty="0" smtClean="0"/>
-              <a:t>y Stefan </a:t>
-            </a:r>
-            <a:r>
-              <a:rPr lang="de-DE" sz="1100" dirty="0" smtClean="0"/>
-              <a:t>Höhn, Irene Höppner und Matthias Malstädt</a:t>
+              <a:t>by Stefan Höhn, Irene Höppner und Matthias Malstädt</a:t>
             </a:r>
             <a:endParaRPr lang="de-DE" sz="1100" dirty="0"/>
           </a:p>
@@ -3699,7 +3691,7 @@
     </p:spTree>
     <p:extLst>
       <p:ext uri="{BB962C8B-B14F-4D97-AF65-F5344CB8AC3E}">
-        <p14:creationId xmlns="" xmlns:p14="http://schemas.microsoft.com/office/powerpoint/2010/main" val="1464364472"/>
+        <p14:creationId xmlns:p14="http://schemas.microsoft.com/office/powerpoint/2010/main" val="1464364472"/>
       </p:ext>
     </p:extLst>
   </p:cSld>
@@ -3858,7 +3850,7 @@
     </p:spTree>
     <p:extLst>
       <p:ext uri="{BB962C8B-B14F-4D97-AF65-F5344CB8AC3E}">
-        <p14:creationId xmlns="" xmlns:p14="http://schemas.microsoft.com/office/powerpoint/2010/main" val="3690587624"/>
+        <p14:creationId xmlns:p14="http://schemas.microsoft.com/office/powerpoint/2010/main" val="3690587624"/>
       </p:ext>
     </p:extLst>
   </p:cSld>
@@ -4067,7 +4059,7 @@
     </p:spTree>
     <p:extLst>
       <p:ext uri="{BB962C8B-B14F-4D97-AF65-F5344CB8AC3E}">
-        <p14:creationId xmlns="" xmlns:p14="http://schemas.microsoft.com/office/powerpoint/2010/main" val="3397233553"/>
+        <p14:creationId xmlns:p14="http://schemas.microsoft.com/office/powerpoint/2010/main" val="3397233553"/>
       </p:ext>
     </p:extLst>
   </p:cSld>
@@ -4226,7 +4218,7 @@
     </p:spTree>
     <p:extLst>
       <p:ext uri="{BB962C8B-B14F-4D97-AF65-F5344CB8AC3E}">
-        <p14:creationId xmlns="" xmlns:p14="http://schemas.microsoft.com/office/powerpoint/2010/main" val="4265769765"/>
+        <p14:creationId xmlns:p14="http://schemas.microsoft.com/office/powerpoint/2010/main" val="4265769765"/>
       </p:ext>
     </p:extLst>
   </p:cSld>
@@ -4531,7 +4523,7 @@
     </p:spTree>
     <p:extLst>
       <p:ext uri="{BB962C8B-B14F-4D97-AF65-F5344CB8AC3E}">
-        <p14:creationId xmlns="" xmlns:p14="http://schemas.microsoft.com/office/powerpoint/2010/main" val="174545010"/>
+        <p14:creationId xmlns:p14="http://schemas.microsoft.com/office/powerpoint/2010/main" val="174545010"/>
       </p:ext>
     </p:extLst>
   </p:cSld>
@@ -4825,7 +4817,7 @@
     </p:spTree>
     <p:extLst>
       <p:ext uri="{BB962C8B-B14F-4D97-AF65-F5344CB8AC3E}">
-        <p14:creationId xmlns="" xmlns:p14="http://schemas.microsoft.com/office/powerpoint/2010/main" val="1805105135"/>
+        <p14:creationId xmlns:p14="http://schemas.microsoft.com/office/powerpoint/2010/main" val="1805105135"/>
       </p:ext>
     </p:extLst>
   </p:cSld>
@@ -5089,7 +5081,7 @@
     </p:spTree>
     <p:extLst>
       <p:ext uri="{BB962C8B-B14F-4D97-AF65-F5344CB8AC3E}">
-        <p14:creationId xmlns="" xmlns:p14="http://schemas.microsoft.com/office/powerpoint/2010/main" val="174545010"/>
+        <p14:creationId xmlns:p14="http://schemas.microsoft.com/office/powerpoint/2010/main" val="174545010"/>
       </p:ext>
     </p:extLst>
   </p:cSld>
@@ -6049,7 +6041,7 @@
     </p:spTree>
     <p:extLst>
       <p:ext uri="{BB962C8B-B14F-4D97-AF65-F5344CB8AC3E}">
-        <p14:creationId xmlns="" xmlns:p14="http://schemas.microsoft.com/office/powerpoint/2010/main" val="2498599068"/>
+        <p14:creationId xmlns:p14="http://schemas.microsoft.com/office/powerpoint/2010/main" val="2498599068"/>
       </p:ext>
     </p:extLst>
   </p:cSld>
@@ -6923,7 +6915,7 @@
     </p:spTree>
     <p:extLst>
       <p:ext uri="{BB962C8B-B14F-4D97-AF65-F5344CB8AC3E}">
-        <p14:creationId xmlns="" xmlns:p14="http://schemas.microsoft.com/office/powerpoint/2010/main" val="33299266"/>
+        <p14:creationId xmlns:p14="http://schemas.microsoft.com/office/powerpoint/2010/main" val="33299266"/>
       </p:ext>
     </p:extLst>
   </p:cSld>
@@ -8897,7 +8889,7 @@
     </p:spTree>
     <p:extLst>
       <p:ext uri="{BB962C8B-B14F-4D97-AF65-F5344CB8AC3E}">
-        <p14:creationId xmlns="" xmlns:p14="http://schemas.microsoft.com/office/powerpoint/2010/main" val="2498599068"/>
+        <p14:creationId xmlns:p14="http://schemas.microsoft.com/office/powerpoint/2010/main" val="2498599068"/>
       </p:ext>
     </p:extLst>
   </p:cSld>
@@ -9267,7 +9259,7 @@
     </p:spTree>
     <p:extLst>
       <p:ext uri="{BB962C8B-B14F-4D97-AF65-F5344CB8AC3E}">
-        <p14:creationId xmlns="" xmlns:p14="http://schemas.microsoft.com/office/powerpoint/2010/main" val="1490740007"/>
+        <p14:creationId xmlns:p14="http://schemas.microsoft.com/office/powerpoint/2010/main" val="1490740007"/>
       </p:ext>
     </p:extLst>
   </p:cSld>
@@ -9374,7 +9366,15 @@
           <a:p>
             <a:r>
               <a:rPr lang="de-DE" dirty="0" smtClean="0"/>
-              <a:t>	:a4	:h4	 :major7	:minor</a:t>
+              <a:t>	:a4	</a:t>
+            </a:r>
+            <a:r>
+              <a:rPr lang="de-DE" dirty="0" smtClean="0"/>
+              <a:t>:b4</a:t>
+            </a:r>
+            <a:r>
+              <a:rPr lang="de-DE" dirty="0" smtClean="0"/>
+              <a:t>	 :major7	:minor</a:t>
             </a:r>
           </a:p>
           <a:p>
@@ -9627,7 +9627,7 @@
     </p:spTree>
     <p:extLst>
       <p:ext uri="{BB962C8B-B14F-4D97-AF65-F5344CB8AC3E}">
-        <p14:creationId xmlns="" xmlns:p14="http://schemas.microsoft.com/office/powerpoint/2010/main" val="1053451598"/>
+        <p14:creationId xmlns:p14="http://schemas.microsoft.com/office/powerpoint/2010/main" val="1053451598"/>
       </p:ext>
     </p:extLst>
   </p:cSld>
@@ -10256,7 +10256,7 @@
     </p:spTree>
     <p:extLst>
       <p:ext uri="{BB962C8B-B14F-4D97-AF65-F5344CB8AC3E}">
-        <p14:creationId xmlns="" xmlns:p14="http://schemas.microsoft.com/office/powerpoint/2010/main" val="2129833566"/>
+        <p14:creationId xmlns:p14="http://schemas.microsoft.com/office/powerpoint/2010/main" val="2129833566"/>
       </p:ext>
     </p:extLst>
   </p:cSld>
@@ -10506,7 +10506,7 @@
     </p:spTree>
     <p:extLst>
       <p:ext uri="{BB962C8B-B14F-4D97-AF65-F5344CB8AC3E}">
-        <p14:creationId xmlns="" xmlns:p14="http://schemas.microsoft.com/office/powerpoint/2010/main" val="2037777663"/>
+        <p14:creationId xmlns:p14="http://schemas.microsoft.com/office/powerpoint/2010/main" val="2037777663"/>
       </p:ext>
     </p:extLst>
   </p:cSld>
@@ -10925,7 +10925,7 @@
     </p:spTree>
     <p:extLst>
       <p:ext uri="{BB962C8B-B14F-4D97-AF65-F5344CB8AC3E}">
-        <p14:creationId xmlns="" xmlns:p14="http://schemas.microsoft.com/office/powerpoint/2010/main" val="2037777663"/>
+        <p14:creationId xmlns:p14="http://schemas.microsoft.com/office/powerpoint/2010/main" val="2037777663"/>
       </p:ext>
     </p:extLst>
   </p:cSld>
@@ -11480,7 +11480,7 @@
   <a:extraClrSchemeLst/>
   <a:extLst>
     <a:ext uri="{05A4C25C-085E-4340-85A3-A5531E510DB2}">
-      <thm15:themeFamily xmlns="" xmlns:thm15="http://schemas.microsoft.com/office/thememl/2012/main" name="Office Theme" id="{62F939B6-93AF-4DB8-9C6B-D6C7DFDC589F}" vid="{4A3C46E8-61CC-4603-A589-7422A47A8E4A}"/>
+      <thm15:themeFamily xmlns:thm15="http://schemas.microsoft.com/office/thememl/2012/main" name="Office Theme" id="{62F939B6-93AF-4DB8-9C6B-D6C7DFDC589F}" vid="{4A3C46E8-61CC-4603-A589-7422A47A8E4A}"/>
     </a:ext>
   </a:extLst>
 </a:theme>
@@ -11741,7 +11741,7 @@
   <a:extraClrSchemeLst/>
   <a:extLst>
     <a:ext uri="{05A4C25C-085E-4340-85A3-A5531E510DB2}">
-      <thm15:themeFamily xmlns="" xmlns:thm15="http://schemas.microsoft.com/office/thememl/2012/main" name="Office Theme" id="{62F939B6-93AF-4DB8-9C6B-D6C7DFDC589F}" vid="{4A3C46E8-61CC-4603-A589-7422A47A8E4A}"/>
+      <thm15:themeFamily xmlns:thm15="http://schemas.microsoft.com/office/thememl/2012/main" name="Office Theme" id="{62F939B6-93AF-4DB8-9C6B-D6C7DFDC589F}" vid="{4A3C46E8-61CC-4603-A589-7422A47A8E4A}"/>
     </a:ext>
   </a:extLst>
 </a:theme>

--- a/documentation/Sonic PI Workshop_en.pptx
+++ b/documentation/Sonic PI Workshop_en.pptx
@@ -232,7 +232,7 @@
             <a:fld id="{7FD773D1-FC60-4896-8BCC-9B28FBDAB5FD}" type="datetimeFigureOut">
               <a:rPr lang="de-DE" smtClean="0"/>
               <a:pPr/>
-              <a:t>25.03.2016</a:t>
+              <a:t>17.04.2016</a:t>
             </a:fld>
             <a:endParaRPr lang="de-DE"/>
           </a:p>
@@ -399,7 +399,7 @@
             <a:fld id="{72145D81-8E55-40FC-9585-CFDCFEF92FEB}" type="datetimeFigureOut">
               <a:rPr lang="de-DE" smtClean="0"/>
               <a:pPr/>
-              <a:t>25.03.2016</a:t>
+              <a:t>17.04.2016</a:t>
             </a:fld>
             <a:endParaRPr lang="de-DE"/>
           </a:p>
@@ -2639,7 +2639,7 @@
             <a:fld id="{421FAFA7-FD27-4797-86F0-797A053F7FF1}" type="datetimeFigureOut">
               <a:rPr lang="de-DE" smtClean="0"/>
               <a:pPr/>
-              <a:t>25.03.2016</a:t>
+              <a:t>17.04.2016</a:t>
             </a:fld>
             <a:endParaRPr lang="de-DE"/>
           </a:p>
@@ -4567,37 +4567,47 @@
             <p:ph type="body" sz="quarter" idx="15"/>
           </p:nvPr>
         </p:nvSpPr>
+        <p:spPr>
+          <a:xfrm>
+            <a:off x="0" y="2821016"/>
+            <a:ext cx="6858000" cy="464743"/>
+          </a:xfrm>
+        </p:spPr>
+        <p:txBody>
+          <a:bodyPr/>
+          <a:lstStyle/>
+          <a:p>
+            <a:r>
+              <a:rPr lang="en-US" dirty="0" smtClean="0"/>
+              <a:t>Experiment with you</a:t>
+            </a:r>
+            <a:r>
+              <a:rPr lang="en-US" dirty="0" smtClean="0"/>
+              <a:t>r mentor</a:t>
+            </a:r>
+            <a:endParaRPr lang="en-US" dirty="0" smtClean="0"/>
+          </a:p>
+          <a:p>
+            <a:endParaRPr lang="en-US" dirty="0"/>
+          </a:p>
+        </p:txBody>
+      </p:sp>
+      <p:sp>
+        <p:nvSpPr>
+          <p:cNvPr id="24" name="Text Placeholder 23"/>
+          <p:cNvSpPr>
+            <a:spLocks noGrp="1"/>
+          </p:cNvSpPr>
+          <p:nvPr>
+            <p:ph type="body" sz="quarter" idx="18"/>
+          </p:nvPr>
+        </p:nvSpPr>
         <p:spPr/>
         <p:txBody>
           <a:bodyPr/>
           <a:lstStyle/>
           <a:p>
-            <a:r>
-              <a:rPr lang="de-DE" smtClean="0"/>
-              <a:t>Experimentiere</a:t>
-            </a:r>
-          </a:p>
-          <a:p>
-            <a:endParaRPr lang="de-DE" dirty="0"/>
-          </a:p>
-        </p:txBody>
-      </p:sp>
-      <p:sp>
-        <p:nvSpPr>
-          <p:cNvPr id="24" name="Text Placeholder 23"/>
-          <p:cNvSpPr>
-            <a:spLocks noGrp="1"/>
-          </p:cNvSpPr>
-          <p:nvPr>
-            <p:ph type="body" sz="quarter" idx="18"/>
-          </p:nvPr>
-        </p:nvSpPr>
-        <p:spPr/>
-        <p:txBody>
-          <a:bodyPr/>
-          <a:lstStyle/>
-          <a:p>
-            <a:endParaRPr lang="de-DE"/>
+            <a:endParaRPr lang="en-US" dirty="0"/>
           </a:p>
         </p:txBody>
       </p:sp>
@@ -4622,9 +4632,18 @@
           <a:lstStyle/>
           <a:p>
             <a:r>
-              <a:rPr lang="de-DE" dirty="0" smtClean="0"/>
-              <a:t>Add around a live_loop and listen. What happens here?</a:t>
-            </a:r>
+              <a:rPr lang="en-US" dirty="0" smtClean="0"/>
+              <a:t>Add around a </a:t>
+            </a:r>
+            <a:r>
+              <a:rPr lang="en-US" dirty="0" err="1" smtClean="0"/>
+              <a:t>live_loop</a:t>
+            </a:r>
+            <a:r>
+              <a:rPr lang="en-US" dirty="0" smtClean="0"/>
+              <a:t> and listen. What happens here?</a:t>
+            </a:r>
+            <a:endParaRPr lang="en-US" dirty="0" smtClean="0"/>
           </a:p>
         </p:txBody>
       </p:sp>
@@ -4640,8 +4659,8 @@
         </p:nvSpPr>
         <p:spPr>
           <a:xfrm>
-            <a:off x="404664" y="178408"/>
-            <a:ext cx="6048672" cy="2234458"/>
+            <a:off x="404664" y="251520"/>
+            <a:ext cx="6048672" cy="2677656"/>
           </a:xfrm>
         </p:spPr>
         <p:txBody>
@@ -4650,7 +4669,7 @@
           <a:p>
             <a:pPr algn="l"/>
             <a:r>
-              <a:rPr lang="de-DE" sz="2400" dirty="0" smtClean="0"/>
+              <a:rPr lang="en-US" sz="2400" dirty="0" smtClean="0"/>
               <a:t>More ideas</a:t>
             </a:r>
           </a:p>
@@ -4660,7 +4679,7 @@
               <a:buChar char="-"/>
             </a:pPr>
             <a:r>
-              <a:rPr lang="de-DE" sz="2400" dirty="0" smtClean="0"/>
+              <a:rPr lang="en-US" sz="2400" dirty="0" smtClean="0"/>
               <a:t>Work on the drums</a:t>
             </a:r>
           </a:p>
@@ -4670,7 +4689,7 @@
               <a:buChar char="-"/>
             </a:pPr>
             <a:r>
-              <a:rPr lang="de-DE" sz="2400" dirty="0" smtClean="0"/>
+              <a:rPr lang="en-US" sz="2400" dirty="0" smtClean="0"/>
               <a:t>Play around with melodies</a:t>
             </a:r>
           </a:p>
@@ -4680,7 +4699,7 @@
               <a:buChar char="-"/>
             </a:pPr>
             <a:r>
-              <a:rPr lang="de-DE" sz="2400" dirty="0" smtClean="0"/>
+              <a:rPr lang="en-US" sz="2400" dirty="0" smtClean="0"/>
               <a:t>Effects</a:t>
             </a:r>
           </a:p>
@@ -4690,10 +4709,29 @@
               <a:buChar char="-"/>
             </a:pPr>
             <a:r>
-              <a:rPr lang="de-DE" sz="2400" dirty="0" smtClean="0"/>
+              <a:rPr lang="en-US" sz="2400" dirty="0" smtClean="0"/>
               <a:t>What about variables and conditions?</a:t>
             </a:r>
           </a:p>
+          <a:p>
+            <a:pPr marL="114275" indent="-457200" algn="l">
+              <a:buFontTx/>
+              <a:buChar char="-"/>
+            </a:pPr>
+            <a:r>
+              <a:rPr lang="en-US" sz="2400" dirty="0" smtClean="0"/>
+              <a:t>Samples „loop_“ with </a:t>
+            </a:r>
+            <a:r>
+              <a:rPr lang="en-US" sz="2400" dirty="0" err="1" smtClean="0"/>
+              <a:t>sample_duration</a:t>
+            </a:r>
+            <a:r>
+              <a:rPr lang="en-US" sz="2400" dirty="0" smtClean="0"/>
+              <a:t>()</a:t>
+            </a:r>
+            <a:endParaRPr lang="en-US" sz="2400" dirty="0"/>
+          </a:p>
         </p:txBody>
       </p:sp>
       <p:sp>
@@ -4712,10 +4750,10 @@
           <a:lstStyle/>
           <a:p>
             <a:r>
-              <a:rPr lang="de-DE" dirty="0" smtClean="0"/>
+              <a:rPr lang="en-US" dirty="0" smtClean="0"/>
               <a:t>Variables and conditions</a:t>
             </a:r>
-            <a:endParaRPr lang="de-DE" dirty="0"/>
+            <a:endParaRPr lang="en-US" dirty="0"/>
           </a:p>
         </p:txBody>
       </p:sp>
@@ -4741,76 +4779,52 @@
           <a:p>
             <a:pPr algn="l"/>
             <a:r>
-              <a:rPr lang="de-DE" sz="2000" dirty="0" smtClean="0"/>
+              <a:rPr lang="en-US" sz="2000" dirty="0" smtClean="0"/>
               <a:t>a = 30</a:t>
             </a:r>
           </a:p>
           <a:p>
             <a:pPr algn="l"/>
             <a:r>
-              <a:rPr lang="de-DE" sz="2000" dirty="0" err="1" smtClean="0"/>
-              <a:t>if</a:t>
-            </a:r>
-            <a:r>
-              <a:rPr lang="de-DE" sz="2000" dirty="0" smtClean="0"/>
-              <a:t> a &lt; 100</a:t>
+              <a:rPr lang="en-US" sz="2000" dirty="0" smtClean="0"/>
+              <a:t>if a &lt; 100</a:t>
             </a:r>
           </a:p>
           <a:p>
             <a:pPr algn="l"/>
             <a:r>
-              <a:rPr lang="de-DE" sz="2000" dirty="0"/>
-              <a:t> </a:t>
-            </a:r>
-            <a:r>
-              <a:rPr lang="de-DE" sz="2000" dirty="0" smtClean="0"/>
-              <a:t>  a = a +1</a:t>
+              <a:rPr lang="en-US" sz="2000" dirty="0" smtClean="0"/>
+              <a:t>   a = a +1</a:t>
             </a:r>
           </a:p>
           <a:p>
             <a:pPr algn="l"/>
             <a:r>
-              <a:rPr lang="de-DE" sz="2000" dirty="0"/>
-              <a:t> </a:t>
-            </a:r>
-            <a:r>
-              <a:rPr lang="de-DE" sz="2000" dirty="0" smtClean="0"/>
-              <a:t>  </a:t>
-            </a:r>
-            <a:r>
-              <a:rPr lang="de-DE" sz="2000" dirty="0" err="1" smtClean="0"/>
-              <a:t>play</a:t>
-            </a:r>
-            <a:r>
-              <a:rPr lang="de-DE" sz="2000" dirty="0" smtClean="0"/>
-              <a:t> a</a:t>
+              <a:rPr lang="en-US" sz="2000" dirty="0" smtClean="0"/>
+              <a:t>   play a</a:t>
             </a:r>
           </a:p>
           <a:p>
             <a:pPr algn="l"/>
             <a:r>
-              <a:rPr lang="de-DE" sz="2000" dirty="0" err="1" smtClean="0"/>
+              <a:rPr lang="en-US" sz="2000" dirty="0" smtClean="0"/>
               <a:t>else</a:t>
             </a:r>
-            <a:endParaRPr lang="de-DE" sz="2000" dirty="0" smtClean="0"/>
           </a:p>
           <a:p>
             <a:pPr algn="l"/>
             <a:r>
-              <a:rPr lang="de-DE" sz="2000" dirty="0"/>
-              <a:t> </a:t>
-            </a:r>
-            <a:r>
-              <a:rPr lang="de-DE" sz="2000" dirty="0" smtClean="0"/>
-              <a:t>  a = 30</a:t>
+              <a:rPr lang="en-US" sz="2000" dirty="0" smtClean="0"/>
+              <a:t>   a = 30</a:t>
             </a:r>
           </a:p>
           <a:p>
             <a:pPr algn="l"/>
             <a:r>
-              <a:rPr lang="de-DE" sz="2000" dirty="0" smtClean="0"/>
+              <a:rPr lang="en-US" sz="2000" dirty="0" smtClean="0"/>
               <a:t>end  </a:t>
             </a:r>
+            <a:endParaRPr lang="en-US" sz="2000" dirty="0" smtClean="0"/>
           </a:p>
         </p:txBody>
       </p:sp>
@@ -6366,7 +6380,7 @@
       </p:sp>
       <p:pic>
         <p:nvPicPr>
-          <p:cNvPr id="2" name="Picture 1"/>
+          <p:cNvPr id="3" name="Picture 2"/>
           <p:cNvPicPr>
             <a:picLocks noChangeAspect="1"/>
           </p:cNvPicPr>
@@ -6380,8 +6394,8 @@
         </p:blipFill>
         <p:spPr>
           <a:xfrm>
-            <a:off x="332657" y="3064689"/>
-            <a:ext cx="3886200" cy="495300"/>
+            <a:off x="332657" y="4358210"/>
+            <a:ext cx="2809875" cy="485775"/>
           </a:xfrm>
           <a:prstGeom prst="rect">
             <a:avLst/>
@@ -6390,14 +6404,14 @@
       </p:pic>
       <p:sp>
         <p:nvSpPr>
-          <p:cNvPr id="19" name="TextBox 18"/>
+          <p:cNvPr id="20" name="TextBox 19"/>
           <p:cNvSpPr txBox="1"/>
           <p:nvPr/>
         </p:nvSpPr>
         <p:spPr>
           <a:xfrm>
-            <a:off x="332657" y="3682100"/>
-            <a:ext cx="3886200" cy="276999"/>
+            <a:off x="332656" y="5017009"/>
+            <a:ext cx="4392488" cy="276999"/>
           </a:xfrm>
           <a:prstGeom prst="rect">
             <a:avLst/>
@@ -6492,140 +6506,6 @@
           <a:p>
             <a:r>
               <a:rPr lang="de-DE" sz="1200" dirty="0" smtClean="0"/>
-              <a:t>Start  Song	  Stop Song	    Save Song	   Record Music</a:t>
-            </a:r>
-            <a:endParaRPr lang="de-DE" sz="1200" dirty="0"/>
-          </a:p>
-        </p:txBody>
-      </p:sp>
-      <p:pic>
-        <p:nvPicPr>
-          <p:cNvPr id="3" name="Picture 2"/>
-          <p:cNvPicPr>
-            <a:picLocks noChangeAspect="1"/>
-          </p:cNvPicPr>
-          <p:nvPr/>
-        </p:nvPicPr>
-        <p:blipFill>
-          <a:blip r:embed="rId4" cstate="print"/>
-          <a:stretch>
-            <a:fillRect/>
-          </a:stretch>
-        </p:blipFill>
-        <p:spPr>
-          <a:xfrm>
-            <a:off x="332657" y="4358210"/>
-            <a:ext cx="2809875" cy="485775"/>
-          </a:xfrm>
-          <a:prstGeom prst="rect">
-            <a:avLst/>
-          </a:prstGeom>
-        </p:spPr>
-      </p:pic>
-      <p:sp>
-        <p:nvSpPr>
-          <p:cNvPr id="20" name="TextBox 19"/>
-          <p:cNvSpPr txBox="1"/>
-          <p:nvPr/>
-        </p:nvSpPr>
-        <p:spPr>
-          <a:xfrm>
-            <a:off x="332656" y="5017009"/>
-            <a:ext cx="4392488" cy="276999"/>
-          </a:xfrm>
-          <a:prstGeom prst="rect">
-            <a:avLst/>
-          </a:prstGeom>
-        </p:spPr>
-        <p:style>
-          <a:lnRef idx="1">
-            <a:schemeClr val="accent6"/>
-          </a:lnRef>
-          <a:fillRef idx="2">
-            <a:schemeClr val="accent6"/>
-          </a:fillRef>
-          <a:effectRef idx="1">
-            <a:schemeClr val="accent6"/>
-          </a:effectRef>
-          <a:fontRef idx="minor">
-            <a:schemeClr val="dk1"/>
-          </a:fontRef>
-        </p:style>
-        <p:txBody>
-          <a:bodyPr wrap="square" rtlCol="0">
-            <a:spAutoFit/>
-          </a:bodyPr>
-          <a:lstStyle>
-            <a:defPPr>
-              <a:defRPr lang="de-DE"/>
-            </a:defPPr>
-            <a:lvl1pPr>
-              <a:defRPr sz="1050">
-                <a:solidFill>
-                  <a:schemeClr val="dk1"/>
-                </a:solidFill>
-              </a:defRPr>
-            </a:lvl1pPr>
-            <a:lvl2pPr>
-              <a:defRPr>
-                <a:solidFill>
-                  <a:schemeClr val="dk1"/>
-                </a:solidFill>
-              </a:defRPr>
-            </a:lvl2pPr>
-            <a:lvl3pPr>
-              <a:defRPr>
-                <a:solidFill>
-                  <a:schemeClr val="dk1"/>
-                </a:solidFill>
-              </a:defRPr>
-            </a:lvl3pPr>
-            <a:lvl4pPr>
-              <a:defRPr>
-                <a:solidFill>
-                  <a:schemeClr val="dk1"/>
-                </a:solidFill>
-              </a:defRPr>
-            </a:lvl4pPr>
-            <a:lvl5pPr>
-              <a:defRPr>
-                <a:solidFill>
-                  <a:schemeClr val="dk1"/>
-                </a:solidFill>
-              </a:defRPr>
-            </a:lvl5pPr>
-            <a:lvl6pPr>
-              <a:defRPr>
-                <a:solidFill>
-                  <a:schemeClr val="dk1"/>
-                </a:solidFill>
-              </a:defRPr>
-            </a:lvl6pPr>
-            <a:lvl7pPr>
-              <a:defRPr>
-                <a:solidFill>
-                  <a:schemeClr val="dk1"/>
-                </a:solidFill>
-              </a:defRPr>
-            </a:lvl7pPr>
-            <a:lvl8pPr>
-              <a:defRPr>
-                <a:solidFill>
-                  <a:schemeClr val="dk1"/>
-                </a:solidFill>
-              </a:defRPr>
-            </a:lvl8pPr>
-            <a:lvl9pPr>
-              <a:defRPr>
-                <a:solidFill>
-                  <a:schemeClr val="dk1"/>
-                </a:solidFill>
-              </a:defRPr>
-            </a:lvl9pPr>
-          </a:lstStyle>
-          <a:p>
-            <a:r>
-              <a:rPr lang="de-DE" sz="1200" dirty="0" smtClean="0"/>
               <a:t>Decrease Text   Increase	  Format text in a nicer way</a:t>
             </a:r>
             <a:endParaRPr lang="de-DE" sz="1200" dirty="0"/>
@@ -6641,7 +6521,7 @@
           <p:nvPr/>
         </p:nvPicPr>
         <p:blipFill>
-          <a:blip r:embed="rId5" cstate="print"/>
+          <a:blip r:embed="rId4" cstate="print"/>
           <a:stretch>
             <a:fillRect/>
           </a:stretch>
@@ -6912,6 +6792,290 @@
           </a:fontRef>
         </p:style>
       </p:cxnSp>
+      <p:sp>
+        <p:nvSpPr>
+          <p:cNvPr id="23" name="TextBox 22"/>
+          <p:cNvSpPr txBox="1"/>
+          <p:nvPr/>
+        </p:nvSpPr>
+        <p:spPr>
+          <a:xfrm>
+            <a:off x="332657" y="3682100"/>
+            <a:ext cx="2831932" cy="276999"/>
+          </a:xfrm>
+          <a:prstGeom prst="rect">
+            <a:avLst/>
+          </a:prstGeom>
+        </p:spPr>
+        <p:style>
+          <a:lnRef idx="1">
+            <a:schemeClr val="accent6"/>
+          </a:lnRef>
+          <a:fillRef idx="2">
+            <a:schemeClr val="accent6"/>
+          </a:fillRef>
+          <a:effectRef idx="1">
+            <a:schemeClr val="accent6"/>
+          </a:effectRef>
+          <a:fontRef idx="minor">
+            <a:schemeClr val="dk1"/>
+          </a:fontRef>
+        </p:style>
+        <p:txBody>
+          <a:bodyPr wrap="square" rtlCol="0">
+            <a:spAutoFit/>
+          </a:bodyPr>
+          <a:lstStyle>
+            <a:defPPr>
+              <a:defRPr lang="de-DE"/>
+            </a:defPPr>
+            <a:lvl1pPr>
+              <a:defRPr sz="1050">
+                <a:solidFill>
+                  <a:schemeClr val="dk1"/>
+                </a:solidFill>
+              </a:defRPr>
+            </a:lvl1pPr>
+            <a:lvl2pPr>
+              <a:defRPr>
+                <a:solidFill>
+                  <a:schemeClr val="dk1"/>
+                </a:solidFill>
+              </a:defRPr>
+            </a:lvl2pPr>
+            <a:lvl3pPr>
+              <a:defRPr>
+                <a:solidFill>
+                  <a:schemeClr val="dk1"/>
+                </a:solidFill>
+              </a:defRPr>
+            </a:lvl3pPr>
+            <a:lvl4pPr>
+              <a:defRPr>
+                <a:solidFill>
+                  <a:schemeClr val="dk1"/>
+                </a:solidFill>
+              </a:defRPr>
+            </a:lvl4pPr>
+            <a:lvl5pPr>
+              <a:defRPr>
+                <a:solidFill>
+                  <a:schemeClr val="dk1"/>
+                </a:solidFill>
+              </a:defRPr>
+            </a:lvl5pPr>
+            <a:lvl6pPr>
+              <a:defRPr>
+                <a:solidFill>
+                  <a:schemeClr val="dk1"/>
+                </a:solidFill>
+              </a:defRPr>
+            </a:lvl6pPr>
+            <a:lvl7pPr>
+              <a:defRPr>
+                <a:solidFill>
+                  <a:schemeClr val="dk1"/>
+                </a:solidFill>
+              </a:defRPr>
+            </a:lvl7pPr>
+            <a:lvl8pPr>
+              <a:defRPr>
+                <a:solidFill>
+                  <a:schemeClr val="dk1"/>
+                </a:solidFill>
+              </a:defRPr>
+            </a:lvl8pPr>
+            <a:lvl9pPr>
+              <a:defRPr>
+                <a:solidFill>
+                  <a:schemeClr val="dk1"/>
+                </a:solidFill>
+              </a:defRPr>
+            </a:lvl9pPr>
+          </a:lstStyle>
+          <a:p>
+            <a:r>
+              <a:rPr lang="de-DE" sz="1200" dirty="0" smtClean="0"/>
+              <a:t>Start Song	Stopp	  </a:t>
+            </a:r>
+            <a:r>
+              <a:rPr lang="de-DE" sz="1200" dirty="0" err="1" smtClean="0"/>
+              <a:t>Record</a:t>
+            </a:r>
+            <a:endParaRPr lang="de-DE" sz="1200" dirty="0"/>
+          </a:p>
+        </p:txBody>
+      </p:sp>
+      <p:pic>
+        <p:nvPicPr>
+          <p:cNvPr id="24" name="Picture 23"/>
+          <p:cNvPicPr>
+            <a:picLocks noChangeAspect="1"/>
+          </p:cNvPicPr>
+          <p:nvPr/>
+        </p:nvPicPr>
+        <p:blipFill>
+          <a:blip r:embed="rId5"/>
+          <a:stretch>
+            <a:fillRect/>
+          </a:stretch>
+        </p:blipFill>
+        <p:spPr>
+          <a:xfrm>
+            <a:off x="307089" y="3133868"/>
+            <a:ext cx="2857500" cy="428625"/>
+          </a:xfrm>
+          <a:prstGeom prst="rect">
+            <a:avLst/>
+          </a:prstGeom>
+        </p:spPr>
+      </p:pic>
+      <p:pic>
+        <p:nvPicPr>
+          <p:cNvPr id="25" name="Picture 24"/>
+          <p:cNvPicPr>
+            <a:picLocks noChangeAspect="1"/>
+          </p:cNvPicPr>
+          <p:nvPr/>
+        </p:nvPicPr>
+        <p:blipFill>
+          <a:blip r:embed="rId6"/>
+          <a:stretch>
+            <a:fillRect/>
+          </a:stretch>
+        </p:blipFill>
+        <p:spPr>
+          <a:xfrm>
+            <a:off x="3534172" y="3143392"/>
+            <a:ext cx="1895475" cy="409575"/>
+          </a:xfrm>
+          <a:prstGeom prst="rect">
+            <a:avLst/>
+          </a:prstGeom>
+        </p:spPr>
+      </p:pic>
+      <p:sp>
+        <p:nvSpPr>
+          <p:cNvPr id="26" name="TextBox 25"/>
+          <p:cNvSpPr txBox="1"/>
+          <p:nvPr/>
+        </p:nvSpPr>
+        <p:spPr>
+          <a:xfrm>
+            <a:off x="3555094" y="3689777"/>
+            <a:ext cx="2250170" cy="276999"/>
+          </a:xfrm>
+          <a:prstGeom prst="rect">
+            <a:avLst/>
+          </a:prstGeom>
+        </p:spPr>
+        <p:style>
+          <a:lnRef idx="1">
+            <a:schemeClr val="accent6"/>
+          </a:lnRef>
+          <a:fillRef idx="2">
+            <a:schemeClr val="accent6"/>
+          </a:fillRef>
+          <a:effectRef idx="1">
+            <a:schemeClr val="accent6"/>
+          </a:effectRef>
+          <a:fontRef idx="minor">
+            <a:schemeClr val="dk1"/>
+          </a:fontRef>
+        </p:style>
+        <p:txBody>
+          <a:bodyPr wrap="square" rtlCol="0">
+            <a:spAutoFit/>
+          </a:bodyPr>
+          <a:lstStyle>
+            <a:defPPr>
+              <a:defRPr lang="de-DE"/>
+            </a:defPPr>
+            <a:lvl1pPr>
+              <a:defRPr sz="1050">
+                <a:solidFill>
+                  <a:schemeClr val="dk1"/>
+                </a:solidFill>
+              </a:defRPr>
+            </a:lvl1pPr>
+            <a:lvl2pPr>
+              <a:defRPr>
+                <a:solidFill>
+                  <a:schemeClr val="dk1"/>
+                </a:solidFill>
+              </a:defRPr>
+            </a:lvl2pPr>
+            <a:lvl3pPr>
+              <a:defRPr>
+                <a:solidFill>
+                  <a:schemeClr val="dk1"/>
+                </a:solidFill>
+              </a:defRPr>
+            </a:lvl3pPr>
+            <a:lvl4pPr>
+              <a:defRPr>
+                <a:solidFill>
+                  <a:schemeClr val="dk1"/>
+                </a:solidFill>
+              </a:defRPr>
+            </a:lvl4pPr>
+            <a:lvl5pPr>
+              <a:defRPr>
+                <a:solidFill>
+                  <a:schemeClr val="dk1"/>
+                </a:solidFill>
+              </a:defRPr>
+            </a:lvl5pPr>
+            <a:lvl6pPr>
+              <a:defRPr>
+                <a:solidFill>
+                  <a:schemeClr val="dk1"/>
+                </a:solidFill>
+              </a:defRPr>
+            </a:lvl6pPr>
+            <a:lvl7pPr>
+              <a:defRPr>
+                <a:solidFill>
+                  <a:schemeClr val="dk1"/>
+                </a:solidFill>
+              </a:defRPr>
+            </a:lvl7pPr>
+            <a:lvl8pPr>
+              <a:defRPr>
+                <a:solidFill>
+                  <a:schemeClr val="dk1"/>
+                </a:solidFill>
+              </a:defRPr>
+            </a:lvl8pPr>
+            <a:lvl9pPr>
+              <a:defRPr>
+                <a:solidFill>
+                  <a:schemeClr val="dk1"/>
+                </a:solidFill>
+              </a:defRPr>
+            </a:lvl9pPr>
+          </a:lstStyle>
+          <a:p>
+            <a:r>
+              <a:rPr lang="de-DE" sz="1200" dirty="0" smtClean="0"/>
+              <a:t>  Save </a:t>
+            </a:r>
+            <a:r>
+              <a:rPr lang="de-DE" sz="1200" dirty="0" err="1" smtClean="0"/>
+              <a:t>song</a:t>
+            </a:r>
+            <a:r>
+              <a:rPr lang="de-DE" sz="1200" dirty="0" smtClean="0"/>
+              <a:t>        Load </a:t>
+            </a:r>
+            <a:r>
+              <a:rPr lang="de-DE" sz="1200" dirty="0" err="1" smtClean="0"/>
+              <a:t>song</a:t>
+            </a:r>
+            <a:endParaRPr lang="de-DE" sz="1200" dirty="0"/>
+          </a:p>
+        </p:txBody>
+      </p:sp>
     </p:spTree>
     <p:extLst>
       <p:ext uri="{BB962C8B-B14F-4D97-AF65-F5344CB8AC3E}">
@@ -7074,14 +7238,43 @@
       </p:sp>
       <p:sp>
         <p:nvSpPr>
-          <p:cNvPr id="5" name="TextBox 4"/>
+          <p:cNvPr id="6" name="TextBox 5"/>
           <p:cNvSpPr txBox="1"/>
           <p:nvPr/>
         </p:nvSpPr>
         <p:spPr>
           <a:xfrm>
-            <a:off x="332657" y="1242789"/>
-            <a:ext cx="6264696" cy="1384995"/>
+            <a:off x="307089" y="2865802"/>
+            <a:ext cx="1197895" cy="369332"/>
+          </a:xfrm>
+          <a:prstGeom prst="rect">
+            <a:avLst/>
+          </a:prstGeom>
+          <a:noFill/>
+        </p:spPr>
+        <p:txBody>
+          <a:bodyPr wrap="square" rtlCol="0">
+            <a:spAutoFit/>
+          </a:bodyPr>
+          <a:lstStyle/>
+          <a:p>
+            <a:r>
+              <a:rPr lang="de-DE" b="1" dirty="0" smtClean="0"/>
+              <a:t>samples</a:t>
+            </a:r>
+          </a:p>
+        </p:txBody>
+      </p:sp>
+      <p:sp>
+        <p:nvSpPr>
+          <p:cNvPr id="7" name="TextBox 6"/>
+          <p:cNvSpPr txBox="1"/>
+          <p:nvPr/>
+        </p:nvSpPr>
+        <p:spPr>
+          <a:xfrm>
+            <a:off x="2198586" y="7092538"/>
+            <a:ext cx="1387955" cy="1708160"/>
           </a:xfrm>
           <a:prstGeom prst="rect">
             <a:avLst/>
@@ -7105,344 +7298,132 @@
           <a:bodyPr wrap="square" rtlCol="0">
             <a:spAutoFit/>
           </a:bodyPr>
-          <a:lstStyle>
-            <a:defPPr>
-              <a:defRPr lang="de-DE"/>
-            </a:defPPr>
-            <a:lvl1pPr>
-              <a:defRPr sz="1050">
-                <a:solidFill>
-                  <a:schemeClr val="dk1"/>
-                </a:solidFill>
-              </a:defRPr>
-            </a:lvl1pPr>
-            <a:lvl2pPr>
-              <a:defRPr>
-                <a:solidFill>
-                  <a:schemeClr val="dk1"/>
-                </a:solidFill>
-              </a:defRPr>
-            </a:lvl2pPr>
-            <a:lvl3pPr>
-              <a:defRPr>
-                <a:solidFill>
-                  <a:schemeClr val="dk1"/>
-                </a:solidFill>
-              </a:defRPr>
-            </a:lvl3pPr>
-            <a:lvl4pPr>
-              <a:defRPr>
-                <a:solidFill>
-                  <a:schemeClr val="dk1"/>
-                </a:solidFill>
-              </a:defRPr>
-            </a:lvl4pPr>
-            <a:lvl5pPr>
-              <a:defRPr>
-                <a:solidFill>
-                  <a:schemeClr val="dk1"/>
-                </a:solidFill>
-              </a:defRPr>
-            </a:lvl5pPr>
-            <a:lvl6pPr>
-              <a:defRPr>
-                <a:solidFill>
-                  <a:schemeClr val="dk1"/>
-                </a:solidFill>
-              </a:defRPr>
-            </a:lvl6pPr>
-            <a:lvl7pPr>
-              <a:defRPr>
-                <a:solidFill>
-                  <a:schemeClr val="dk1"/>
-                </a:solidFill>
-              </a:defRPr>
-            </a:lvl7pPr>
-            <a:lvl8pPr>
-              <a:defRPr>
-                <a:solidFill>
-                  <a:schemeClr val="dk1"/>
-                </a:solidFill>
-              </a:defRPr>
-            </a:lvl8pPr>
-            <a:lvl9pPr>
-              <a:defRPr>
-                <a:solidFill>
-                  <a:schemeClr val="dk1"/>
-                </a:solidFill>
-              </a:defRPr>
-            </a:lvl9pPr>
-          </a:lstStyle>
-          <a:p>
-            <a:r>
-              <a:rPr lang="de-DE" sz="1200" dirty="0" err="1"/>
-              <a:t>beep</a:t>
-            </a:r>
-            <a:r>
-              <a:rPr lang="de-DE" sz="1200" dirty="0"/>
-              <a:t>	blade	</a:t>
-            </a:r>
-            <a:r>
-              <a:rPr lang="de-DE" sz="1200" dirty="0" err="1"/>
-              <a:t>bnoise</a:t>
-            </a:r>
-            <a:r>
-              <a:rPr lang="de-DE" sz="1200" dirty="0"/>
-              <a:t>	</a:t>
-            </a:r>
-            <a:r>
-              <a:rPr lang="de-DE" sz="1200" dirty="0" err="1"/>
-              <a:t>cnoise</a:t>
-            </a:r>
-            <a:r>
-              <a:rPr lang="de-DE" sz="1200" dirty="0"/>
-              <a:t>	</a:t>
-            </a:r>
-            <a:r>
-              <a:rPr lang="de-DE" sz="1200" dirty="0" err="1"/>
-              <a:t>dark_ambience</a:t>
-            </a:r>
-            <a:r>
-              <a:rPr lang="de-DE" sz="1200" dirty="0"/>
+          <a:lstStyle/>
+          <a:p>
+            <a:r>
+              <a:rPr lang="de-DE" sz="1050" dirty="0"/>
+              <a:t>:</a:t>
+            </a:r>
+            <a:r>
+              <a:rPr lang="de-DE" sz="1050" dirty="0" err="1"/>
+              <a:t>ambi_soft_buzz</a:t>
+            </a:r>
+            <a:endParaRPr lang="de-DE" sz="1050" dirty="0"/>
+          </a:p>
+          <a:p>
+            <a:r>
+              <a:rPr lang="de-DE" sz="1050" dirty="0"/>
+              <a:t>:</a:t>
+            </a:r>
+            <a:r>
+              <a:rPr lang="de-DE" sz="1050" dirty="0" err="1"/>
+              <a:t>ambi_swoosh</a:t>
+            </a:r>
+            <a:endParaRPr lang="de-DE" sz="1050" dirty="0"/>
+          </a:p>
+          <a:p>
+            <a:r>
+              <a:rPr lang="de-DE" sz="1050" dirty="0"/>
+              <a:t>:</a:t>
+            </a:r>
+            <a:r>
+              <a:rPr lang="de-DE" sz="1050" dirty="0" err="1"/>
+              <a:t>ambi_drone</a:t>
+            </a:r>
+            <a:endParaRPr lang="de-DE" sz="1050" dirty="0"/>
+          </a:p>
+          <a:p>
+            <a:r>
+              <a:rPr lang="de-DE" sz="1050" dirty="0"/>
+              <a:t>:</a:t>
+            </a:r>
+            <a:r>
+              <a:rPr lang="de-DE" sz="1050" dirty="0" err="1"/>
+              <a:t>ambi_glass_hum</a:t>
+            </a:r>
+            <a:endParaRPr lang="de-DE" sz="1050" dirty="0"/>
+          </a:p>
+          <a:p>
+            <a:r>
+              <a:rPr lang="de-DE" sz="1050" dirty="0"/>
+              <a:t>:</a:t>
+            </a:r>
+            <a:r>
+              <a:rPr lang="de-DE" sz="1050" dirty="0" err="1"/>
+              <a:t>ambi_glass_rub</a:t>
+            </a:r>
+            <a:endParaRPr lang="de-DE" sz="1050" dirty="0"/>
+          </a:p>
+          <a:p>
+            <a:r>
+              <a:rPr lang="de-DE" sz="1050" dirty="0"/>
+              <a:t>:</a:t>
+            </a:r>
+            <a:r>
+              <a:rPr lang="de-DE" sz="1050" dirty="0" err="1"/>
+              <a:t>ambi_haunted_hum</a:t>
+            </a:r>
+            <a:endParaRPr lang="de-DE" sz="1050" dirty="0"/>
+          </a:p>
+          <a:p>
+            <a:r>
+              <a:rPr lang="de-DE" sz="1050" dirty="0"/>
+              <a:t>:</a:t>
+            </a:r>
+            <a:r>
+              <a:rPr lang="de-DE" sz="1050" dirty="0" err="1"/>
+              <a:t>ambi_piano</a:t>
+            </a:r>
+            <a:endParaRPr lang="de-DE" sz="1050" dirty="0"/>
+          </a:p>
+          <a:p>
+            <a:r>
+              <a:rPr lang="de-DE" sz="1050" dirty="0"/>
+              <a:t>:</a:t>
+            </a:r>
+            <a:r>
+              <a:rPr lang="de-DE" sz="1050" dirty="0" err="1"/>
+              <a:t>ambi_lunar_land</a:t>
+            </a:r>
+            <a:endParaRPr lang="de-DE" sz="1050" dirty="0"/>
+          </a:p>
+          <a:p>
+            <a:r>
+              <a:rPr lang="de-DE" sz="1050" dirty="0"/>
+              <a:t>:</a:t>
+            </a:r>
+            <a:r>
+              <a:rPr lang="de-DE" sz="1050" dirty="0" err="1"/>
+              <a:t>ambi_dark_woosh</a:t>
+            </a:r>
+            <a:endParaRPr lang="de-DE" sz="1050" dirty="0"/>
+          </a:p>
+          <a:p>
+            <a:r>
+              <a:rPr lang="de-DE" sz="1050" dirty="0"/>
+              <a:t>:</a:t>
+            </a:r>
+            <a:r>
+              <a:rPr lang="de-DE" sz="1050" dirty="0" err="1"/>
+              <a:t>ambi_choir</a:t>
+            </a:r>
+            <a:r>
+              <a:rPr lang="de-DE" sz="1050" dirty="0"/>
               <a:t> </a:t>
             </a:r>
           </a:p>
-          <a:p>
-            <a:r>
-              <a:rPr lang="de-DE" sz="1200" dirty="0" err="1"/>
-              <a:t>dpulse</a:t>
-            </a:r>
-            <a:r>
-              <a:rPr lang="de-DE" sz="1200" dirty="0"/>
-              <a:t>	</a:t>
-            </a:r>
-            <a:r>
-              <a:rPr lang="de-DE" sz="1200" dirty="0" err="1"/>
-              <a:t>dsaw</a:t>
-            </a:r>
-            <a:r>
-              <a:rPr lang="de-DE" sz="1200" dirty="0"/>
-              <a:t>	</a:t>
-            </a:r>
-            <a:r>
-              <a:rPr lang="de-DE" sz="1200" dirty="0" err="1"/>
-              <a:t>dull_bell</a:t>
-            </a:r>
-            <a:r>
-              <a:rPr lang="de-DE" sz="1200" dirty="0"/>
-              <a:t>	</a:t>
-            </a:r>
-            <a:r>
-              <a:rPr lang="de-DE" sz="1200" dirty="0" err="1"/>
-              <a:t>fm</a:t>
-            </a:r>
-            <a:r>
-              <a:rPr lang="de-DE" sz="1200" dirty="0"/>
-              <a:t>	</a:t>
-            </a:r>
-            <a:r>
-              <a:rPr lang="de-DE" sz="1200" dirty="0" err="1"/>
-              <a:t>gnoise</a:t>
-            </a:r>
-            <a:r>
-              <a:rPr lang="de-DE" sz="1200" dirty="0"/>
-              <a:t>	</a:t>
-            </a:r>
-            <a:r>
-              <a:rPr lang="de-DE" sz="1200" dirty="0" err="1"/>
-              <a:t>growl</a:t>
-            </a:r>
-            <a:endParaRPr lang="de-DE" sz="1200" dirty="0"/>
-          </a:p>
-          <a:p>
-            <a:r>
-              <a:rPr lang="de-DE" sz="1200" dirty="0" err="1"/>
-              <a:t>hollow</a:t>
-            </a:r>
-            <a:r>
-              <a:rPr lang="de-DE" sz="1200" dirty="0"/>
-              <a:t>	</a:t>
-            </a:r>
-            <a:r>
-              <a:rPr lang="de-DE" sz="1200" dirty="0" err="1"/>
-              <a:t>hoover</a:t>
-            </a:r>
-            <a:r>
-              <a:rPr lang="de-DE" sz="1200" dirty="0"/>
-              <a:t>	</a:t>
-            </a:r>
-          </a:p>
-          <a:p>
-            <a:r>
-              <a:rPr lang="de-DE" sz="1200" dirty="0" err="1"/>
-              <a:t>mod_beep</a:t>
-            </a:r>
-            <a:r>
-              <a:rPr lang="de-DE" sz="1200" dirty="0"/>
-              <a:t>	</a:t>
-            </a:r>
-            <a:r>
-              <a:rPr lang="de-DE" sz="1200" dirty="0" err="1"/>
-              <a:t>mod_dsaw</a:t>
-            </a:r>
-            <a:r>
-              <a:rPr lang="de-DE" sz="1200" dirty="0"/>
-              <a:t>	</a:t>
-            </a:r>
-            <a:r>
-              <a:rPr lang="de-DE" sz="1200" dirty="0" err="1"/>
-              <a:t>mod_fm</a:t>
-            </a:r>
-            <a:r>
-              <a:rPr lang="de-DE" sz="1200" dirty="0"/>
-              <a:t>	</a:t>
-            </a:r>
-          </a:p>
-          <a:p>
-            <a:r>
-              <a:rPr lang="de-DE" sz="1200" dirty="0" err="1"/>
-              <a:t>mod_pulse</a:t>
-            </a:r>
-            <a:r>
-              <a:rPr lang="de-DE" sz="1200" dirty="0"/>
-              <a:t>	</a:t>
-            </a:r>
-            <a:r>
-              <a:rPr lang="de-DE" sz="1200" dirty="0" err="1"/>
-              <a:t>mod_saw</a:t>
-            </a:r>
-            <a:r>
-              <a:rPr lang="de-DE" sz="1200" dirty="0"/>
-              <a:t>		</a:t>
-            </a:r>
-            <a:r>
-              <a:rPr lang="de-DE" sz="1200" dirty="0" err="1"/>
-              <a:t>mod_sine</a:t>
-            </a:r>
-            <a:r>
-              <a:rPr lang="de-DE" sz="1200" dirty="0"/>
-              <a:t>	</a:t>
-            </a:r>
-            <a:r>
-              <a:rPr lang="de-DE" sz="1200" dirty="0" err="1"/>
-              <a:t>mod_tri</a:t>
-            </a:r>
-            <a:endParaRPr lang="de-DE" sz="1200" dirty="0"/>
-          </a:p>
-          <a:p>
-            <a:r>
-              <a:rPr lang="de-DE" sz="1200" dirty="0" err="1"/>
-              <a:t>noise</a:t>
-            </a:r>
-            <a:r>
-              <a:rPr lang="de-DE" sz="1200" dirty="0"/>
-              <a:t>	piano	</a:t>
-            </a:r>
-            <a:r>
-              <a:rPr lang="de-DE" sz="1200" dirty="0" err="1"/>
-              <a:t>pnoise</a:t>
-            </a:r>
-            <a:r>
-              <a:rPr lang="de-DE" sz="1200" dirty="0"/>
-              <a:t>	</a:t>
-            </a:r>
-            <a:r>
-              <a:rPr lang="de-DE" sz="1200" dirty="0" err="1"/>
-              <a:t>pretty_bell</a:t>
-            </a:r>
-            <a:r>
-              <a:rPr lang="de-DE" sz="1200" dirty="0"/>
-              <a:t>	</a:t>
-            </a:r>
-            <a:r>
-              <a:rPr lang="de-DE" sz="1200" dirty="0" err="1"/>
-              <a:t>prophet</a:t>
-            </a:r>
-            <a:r>
-              <a:rPr lang="de-DE" sz="1200" dirty="0"/>
-              <a:t>	pulse</a:t>
-            </a:r>
-          </a:p>
-          <a:p>
-            <a:r>
-              <a:rPr lang="de-DE" sz="1200" dirty="0" err="1"/>
-              <a:t>saw</a:t>
-            </a:r>
-            <a:r>
-              <a:rPr lang="de-DE" sz="1200" dirty="0"/>
-              <a:t>	sine	</a:t>
-            </a:r>
-            <a:r>
-              <a:rPr lang="de-DE" sz="1200" dirty="0" err="1"/>
-              <a:t>square</a:t>
-            </a:r>
-            <a:r>
-              <a:rPr lang="de-DE" sz="1200" dirty="0"/>
-              <a:t>	</a:t>
-            </a:r>
-            <a:r>
-              <a:rPr lang="de-DE" sz="1200" dirty="0" err="1"/>
-              <a:t>subpulse</a:t>
-            </a:r>
-            <a:r>
-              <a:rPr lang="de-DE" sz="1200" dirty="0"/>
-              <a:t>	tb303	</a:t>
-            </a:r>
-            <a:r>
-              <a:rPr lang="de-DE" sz="1200" dirty="0" err="1"/>
-              <a:t>tri</a:t>
-            </a:r>
-            <a:r>
-              <a:rPr lang="de-DE" sz="1200" dirty="0"/>
-              <a:t>	</a:t>
-            </a:r>
-            <a:r>
-              <a:rPr lang="de-DE" sz="1200" dirty="0" err="1" smtClean="0"/>
-              <a:t>zawa</a:t>
-            </a:r>
-            <a:endParaRPr lang="de-DE" sz="1200" dirty="0"/>
-          </a:p>
-        </p:txBody>
-      </p:sp>
-      <p:sp>
-        <p:nvSpPr>
-          <p:cNvPr id="6" name="TextBox 5"/>
+        </p:txBody>
+      </p:sp>
+      <p:sp>
+        <p:nvSpPr>
+          <p:cNvPr id="10" name="TextBox 9"/>
           <p:cNvSpPr txBox="1"/>
           <p:nvPr/>
         </p:nvSpPr>
         <p:spPr>
           <a:xfrm>
-            <a:off x="307089" y="2865802"/>
-            <a:ext cx="1197895" cy="369332"/>
-          </a:xfrm>
-          <a:prstGeom prst="rect">
-            <a:avLst/>
-          </a:prstGeom>
-          <a:noFill/>
-        </p:spPr>
-        <p:txBody>
-          <a:bodyPr wrap="square" rtlCol="0">
-            <a:spAutoFit/>
-          </a:bodyPr>
-          <a:lstStyle/>
-          <a:p>
-            <a:r>
-              <a:rPr lang="de-DE" b="1" dirty="0" smtClean="0"/>
-              <a:t>samples</a:t>
-            </a:r>
-          </a:p>
-        </p:txBody>
-      </p:sp>
-      <p:sp>
-        <p:nvSpPr>
-          <p:cNvPr id="7" name="TextBox 6"/>
-          <p:cNvSpPr txBox="1"/>
-          <p:nvPr/>
-        </p:nvSpPr>
-        <p:spPr>
-          <a:xfrm>
-            <a:off x="2198586" y="7092538"/>
-            <a:ext cx="1387955" cy="1708160"/>
+            <a:off x="3761429" y="3343254"/>
+            <a:ext cx="2016225" cy="1708160"/>
           </a:xfrm>
           <a:prstGeom prst="rect">
             <a:avLst/>
@@ -7584,14 +7565,14 @@
       </p:sp>
       <p:sp>
         <p:nvSpPr>
-          <p:cNvPr id="10" name="TextBox 9"/>
+          <p:cNvPr id="11" name="TextBox 10"/>
           <p:cNvSpPr txBox="1"/>
           <p:nvPr/>
         </p:nvSpPr>
         <p:spPr>
           <a:xfrm>
-            <a:off x="3761429" y="3343254"/>
-            <a:ext cx="2016225" cy="1708160"/>
+            <a:off x="2198586" y="3363535"/>
+            <a:ext cx="1163884" cy="2031325"/>
           </a:xfrm>
           <a:prstGeom prst="rect">
             <a:avLst/>
@@ -7623,7 +7604,7 @@
             </a:r>
             <a:r>
               <a:rPr lang="de-DE" sz="1050" dirty="0" err="1"/>
-              <a:t>ambi_soft_buzz</a:t>
+              <a:t>bd_ada</a:t>
             </a:r>
             <a:endParaRPr lang="de-DE" sz="1050" dirty="0"/>
           </a:p>
@@ -7634,9 +7615,15 @@
             </a:r>
             <a:r>
               <a:rPr lang="de-DE" sz="1050" dirty="0" err="1"/>
-              <a:t>ambi_swoosh</a:t>
+              <a:t>bd_pure</a:t>
             </a:r>
             <a:endParaRPr lang="de-DE" sz="1050" dirty="0"/>
+          </a:p>
+          <a:p>
+            <a:r>
+              <a:rPr lang="de-DE" sz="1050" dirty="0"/>
+              <a:t>:bd_808</a:t>
+            </a:r>
           </a:p>
           <a:p>
             <a:r>
@@ -7645,7 +7632,7 @@
             </a:r>
             <a:r>
               <a:rPr lang="de-DE" sz="1050" dirty="0" err="1"/>
-              <a:t>ambi_drone</a:t>
+              <a:t>bd_zum</a:t>
             </a:r>
             <a:endParaRPr lang="de-DE" sz="1050" dirty="0"/>
           </a:p>
@@ -7656,7 +7643,7 @@
             </a:r>
             <a:r>
               <a:rPr lang="de-DE" sz="1050" dirty="0" err="1"/>
-              <a:t>ambi_glass_hum</a:t>
+              <a:t>bd_gas</a:t>
             </a:r>
             <a:endParaRPr lang="de-DE" sz="1050" dirty="0"/>
           </a:p>
@@ -7667,7 +7654,7 @@
             </a:r>
             <a:r>
               <a:rPr lang="de-DE" sz="1050" dirty="0" err="1"/>
-              <a:t>ambi_glass_rub</a:t>
+              <a:t>bd_sone</a:t>
             </a:r>
             <a:endParaRPr lang="de-DE" sz="1050" dirty="0"/>
           </a:p>
@@ -7678,7 +7665,7 @@
             </a:r>
             <a:r>
               <a:rPr lang="de-DE" sz="1050" dirty="0" err="1"/>
-              <a:t>ambi_haunted_hum</a:t>
+              <a:t>bd_haus</a:t>
             </a:r>
             <a:endParaRPr lang="de-DE" sz="1050" dirty="0"/>
           </a:p>
@@ -7689,7 +7676,7 @@
             </a:r>
             <a:r>
               <a:rPr lang="de-DE" sz="1050" dirty="0" err="1"/>
-              <a:t>ambi_piano</a:t>
+              <a:t>bd_zome</a:t>
             </a:r>
             <a:endParaRPr lang="de-DE" sz="1050" dirty="0"/>
           </a:p>
@@ -7700,7 +7687,7 @@
             </a:r>
             <a:r>
               <a:rPr lang="de-DE" sz="1050" dirty="0" err="1"/>
-              <a:t>ambi_lunar_land</a:t>
+              <a:t>bd_boom</a:t>
             </a:r>
             <a:endParaRPr lang="de-DE" sz="1050" dirty="0"/>
           </a:p>
@@ -7711,7 +7698,7 @@
             </a:r>
             <a:r>
               <a:rPr lang="de-DE" sz="1050" dirty="0" err="1"/>
-              <a:t>ambi_dark_woosh</a:t>
+              <a:t>bd_klub</a:t>
             </a:r>
             <a:endParaRPr lang="de-DE" sz="1050" dirty="0"/>
           </a:p>
@@ -7722,7 +7709,18 @@
             </a:r>
             <a:r>
               <a:rPr lang="de-DE" sz="1050" dirty="0" err="1"/>
-              <a:t>ambi_choir</a:t>
+              <a:t>bd_fat</a:t>
+            </a:r>
+            <a:endParaRPr lang="de-DE" sz="1050" dirty="0"/>
+          </a:p>
+          <a:p>
+            <a:r>
+              <a:rPr lang="de-DE" sz="1050" dirty="0"/>
+              <a:t>:</a:t>
+            </a:r>
+            <a:r>
+              <a:rPr lang="de-DE" sz="1050" dirty="0" err="1"/>
+              <a:t>bd_tek</a:t>
             </a:r>
             <a:r>
               <a:rPr lang="de-DE" sz="1050" dirty="0"/>
@@ -7733,14 +7731,14 @@
       </p:sp>
       <p:sp>
         <p:nvSpPr>
-          <p:cNvPr id="11" name="TextBox 10"/>
+          <p:cNvPr id="12" name="TextBox 11"/>
           <p:cNvSpPr txBox="1"/>
           <p:nvPr/>
         </p:nvSpPr>
         <p:spPr>
           <a:xfrm>
-            <a:off x="2198586" y="3363535"/>
-            <a:ext cx="1163884" cy="2031325"/>
+            <a:off x="2205117" y="5563327"/>
+            <a:ext cx="1354374" cy="1384995"/>
           </a:xfrm>
           <a:prstGeom prst="rect">
             <a:avLst/>
@@ -7767,146 +7765,108 @@
           <a:lstStyle/>
           <a:p>
             <a:r>
-              <a:rPr lang="de-DE" sz="1050" dirty="0"/>
+              <a:rPr lang="en-US" sz="1050" dirty="0" smtClean="0"/>
               <a:t>:</a:t>
             </a:r>
             <a:r>
-              <a:rPr lang="de-DE" sz="1050" dirty="0" err="1"/>
-              <a:t>bd_ada</a:t>
+              <a:rPr lang="en-US" sz="1050" dirty="0" err="1"/>
+              <a:t>bass_hit_c</a:t>
+            </a:r>
+            <a:endParaRPr lang="en-US" sz="1050" dirty="0"/>
+          </a:p>
+          <a:p>
+            <a:r>
+              <a:rPr lang="en-US" sz="1050" dirty="0"/>
+              <a:t>:</a:t>
+            </a:r>
+            <a:r>
+              <a:rPr lang="en-US" sz="1050" dirty="0" err="1"/>
+              <a:t>bass_hard_c</a:t>
+            </a:r>
+            <a:endParaRPr lang="en-US" sz="1050" dirty="0"/>
+          </a:p>
+          <a:p>
+            <a:r>
+              <a:rPr lang="en-US" sz="1050" dirty="0"/>
+              <a:t>:</a:t>
+            </a:r>
+            <a:r>
+              <a:rPr lang="en-US" sz="1050" dirty="0" err="1"/>
+              <a:t>bass_thick_c</a:t>
+            </a:r>
+            <a:endParaRPr lang="en-US" sz="1050" dirty="0"/>
+          </a:p>
+          <a:p>
+            <a:r>
+              <a:rPr lang="en-US" sz="1050" dirty="0"/>
+              <a:t>:</a:t>
+            </a:r>
+            <a:r>
+              <a:rPr lang="en-US" sz="1050" dirty="0" err="1"/>
+              <a:t>bass_drop_c</a:t>
+            </a:r>
+            <a:endParaRPr lang="en-US" sz="1050" dirty="0"/>
+          </a:p>
+          <a:p>
+            <a:r>
+              <a:rPr lang="en-US" sz="1050" dirty="0"/>
+              <a:t>:</a:t>
+            </a:r>
+            <a:r>
+              <a:rPr lang="en-US" sz="1050" dirty="0" err="1"/>
+              <a:t>bass_woodsy_c</a:t>
+            </a:r>
+            <a:endParaRPr lang="en-US" sz="1050" dirty="0"/>
+          </a:p>
+          <a:p>
+            <a:r>
+              <a:rPr lang="en-US" sz="1050" dirty="0"/>
+              <a:t>:</a:t>
+            </a:r>
+            <a:r>
+              <a:rPr lang="en-US" sz="1050" dirty="0" err="1"/>
+              <a:t>bass_voxy_c</a:t>
+            </a:r>
+            <a:endParaRPr lang="en-US" sz="1050" dirty="0"/>
+          </a:p>
+          <a:p>
+            <a:r>
+              <a:rPr lang="en-US" sz="1050" dirty="0"/>
+              <a:t>:</a:t>
+            </a:r>
+            <a:r>
+              <a:rPr lang="en-US" sz="1050" dirty="0" err="1"/>
+              <a:t>bass_voxy_hit_c</a:t>
+            </a:r>
+            <a:endParaRPr lang="en-US" sz="1050" dirty="0"/>
+          </a:p>
+          <a:p>
+            <a:r>
+              <a:rPr lang="en-US" sz="1050" dirty="0"/>
+              <a:t>:</a:t>
+            </a:r>
+            <a:r>
+              <a:rPr lang="en-US" sz="1050" dirty="0" err="1"/>
+              <a:t>bass_dnb_f</a:t>
+            </a:r>
+            <a:r>
+              <a:rPr lang="en-US" sz="1050" dirty="0"/>
+              <a:t> </a:t>
             </a:r>
             <a:endParaRPr lang="de-DE" sz="1050" dirty="0"/>
           </a:p>
-          <a:p>
-            <a:r>
-              <a:rPr lang="de-DE" sz="1050" dirty="0"/>
-              <a:t>:</a:t>
-            </a:r>
-            <a:r>
-              <a:rPr lang="de-DE" sz="1050" dirty="0" err="1"/>
-              <a:t>bd_pure</a:t>
-            </a:r>
-            <a:endParaRPr lang="de-DE" sz="1050" dirty="0"/>
-          </a:p>
-          <a:p>
-            <a:r>
-              <a:rPr lang="de-DE" sz="1050" dirty="0"/>
-              <a:t>:bd_808</a:t>
-            </a:r>
-          </a:p>
-          <a:p>
-            <a:r>
-              <a:rPr lang="de-DE" sz="1050" dirty="0"/>
-              <a:t>:</a:t>
-            </a:r>
-            <a:r>
-              <a:rPr lang="de-DE" sz="1050" dirty="0" err="1"/>
-              <a:t>bd_zum</a:t>
-            </a:r>
-            <a:endParaRPr lang="de-DE" sz="1050" dirty="0"/>
-          </a:p>
-          <a:p>
-            <a:r>
-              <a:rPr lang="de-DE" sz="1050" dirty="0"/>
-              <a:t>:</a:t>
-            </a:r>
-            <a:r>
-              <a:rPr lang="de-DE" sz="1050" dirty="0" err="1"/>
-              <a:t>bd_gas</a:t>
-            </a:r>
-            <a:endParaRPr lang="de-DE" sz="1050" dirty="0"/>
-          </a:p>
-          <a:p>
-            <a:r>
-              <a:rPr lang="de-DE" sz="1050" dirty="0"/>
-              <a:t>:</a:t>
-            </a:r>
-            <a:r>
-              <a:rPr lang="de-DE" sz="1050" dirty="0" err="1"/>
-              <a:t>bd_sone</a:t>
-            </a:r>
-            <a:endParaRPr lang="de-DE" sz="1050" dirty="0"/>
-          </a:p>
-          <a:p>
-            <a:r>
-              <a:rPr lang="de-DE" sz="1050" dirty="0"/>
-              <a:t>:</a:t>
-            </a:r>
-            <a:r>
-              <a:rPr lang="de-DE" sz="1050" dirty="0" err="1"/>
-              <a:t>bd_haus</a:t>
-            </a:r>
-            <a:endParaRPr lang="de-DE" sz="1050" dirty="0"/>
-          </a:p>
-          <a:p>
-            <a:r>
-              <a:rPr lang="de-DE" sz="1050" dirty="0"/>
-              <a:t>:</a:t>
-            </a:r>
-            <a:r>
-              <a:rPr lang="de-DE" sz="1050" dirty="0" err="1"/>
-              <a:t>bd_zome</a:t>
-            </a:r>
-            <a:endParaRPr lang="de-DE" sz="1050" dirty="0"/>
-          </a:p>
-          <a:p>
-            <a:r>
-              <a:rPr lang="de-DE" sz="1050" dirty="0"/>
-              <a:t>:</a:t>
-            </a:r>
-            <a:r>
-              <a:rPr lang="de-DE" sz="1050" dirty="0" err="1"/>
-              <a:t>bd_boom</a:t>
-            </a:r>
-            <a:endParaRPr lang="de-DE" sz="1050" dirty="0"/>
-          </a:p>
-          <a:p>
-            <a:r>
-              <a:rPr lang="de-DE" sz="1050" dirty="0"/>
-              <a:t>:</a:t>
-            </a:r>
-            <a:r>
-              <a:rPr lang="de-DE" sz="1050" dirty="0" err="1"/>
-              <a:t>bd_klub</a:t>
-            </a:r>
-            <a:endParaRPr lang="de-DE" sz="1050" dirty="0"/>
-          </a:p>
-          <a:p>
-            <a:r>
-              <a:rPr lang="de-DE" sz="1050" dirty="0"/>
-              <a:t>:</a:t>
-            </a:r>
-            <a:r>
-              <a:rPr lang="de-DE" sz="1050" dirty="0" err="1"/>
-              <a:t>bd_fat</a:t>
-            </a:r>
-            <a:endParaRPr lang="de-DE" sz="1050" dirty="0"/>
-          </a:p>
-          <a:p>
-            <a:r>
-              <a:rPr lang="de-DE" sz="1050" dirty="0"/>
-              <a:t>:</a:t>
-            </a:r>
-            <a:r>
-              <a:rPr lang="de-DE" sz="1050" dirty="0" err="1"/>
-              <a:t>bd_tek</a:t>
-            </a:r>
-            <a:r>
-              <a:rPr lang="de-DE" sz="1050" dirty="0"/>
-              <a:t> </a:t>
-            </a:r>
-          </a:p>
-        </p:txBody>
-      </p:sp>
-      <p:sp>
-        <p:nvSpPr>
-          <p:cNvPr id="12" name="TextBox 11"/>
+        </p:txBody>
+      </p:sp>
+      <p:sp>
+        <p:nvSpPr>
+          <p:cNvPr id="13" name="TextBox 12"/>
           <p:cNvSpPr txBox="1"/>
           <p:nvPr/>
         </p:nvSpPr>
         <p:spPr>
           <a:xfrm>
-            <a:off x="2205117" y="5563327"/>
-            <a:ext cx="1354374" cy="1384995"/>
+            <a:off x="3767760" y="5544171"/>
+            <a:ext cx="1479419" cy="3485570"/>
           </a:xfrm>
           <a:prstGeom prst="rect">
             <a:avLst/>
@@ -7933,23 +7893,12 @@
           <a:lstStyle/>
           <a:p>
             <a:r>
-              <a:rPr lang="en-US" sz="1050" dirty="0" smtClean="0"/>
-              <a:t>:</a:t>
-            </a:r>
-            <a:r>
-              <a:rPr lang="en-US" sz="1050" dirty="0" err="1"/>
-              <a:t>bass_hit_c</a:t>
-            </a:r>
-            <a:endParaRPr lang="en-US" sz="1050" dirty="0"/>
-          </a:p>
-          <a:p>
-            <a:r>
               <a:rPr lang="en-US" sz="1050" dirty="0"/>
               <a:t>:</a:t>
             </a:r>
             <a:r>
               <a:rPr lang="en-US" sz="1050" dirty="0" err="1"/>
-              <a:t>bass_hard_c</a:t>
+              <a:t>drum_heavy_kick</a:t>
             </a:r>
             <a:endParaRPr lang="en-US" sz="1050" dirty="0"/>
           </a:p>
@@ -7960,7 +7909,7 @@
             </a:r>
             <a:r>
               <a:rPr lang="en-US" sz="1050" dirty="0" err="1"/>
-              <a:t>bass_thick_c</a:t>
+              <a:t>drum_tom_mid_soft</a:t>
             </a:r>
             <a:endParaRPr lang="en-US" sz="1050" dirty="0"/>
           </a:p>
@@ -7971,7 +7920,7 @@
             </a:r>
             <a:r>
               <a:rPr lang="en-US" sz="1050" dirty="0" err="1"/>
-              <a:t>bass_drop_c</a:t>
+              <a:t>drum_tom_mid_hard</a:t>
             </a:r>
             <a:endParaRPr lang="en-US" sz="1050" dirty="0"/>
           </a:p>
@@ -7982,7 +7931,7 @@
             </a:r>
             <a:r>
               <a:rPr lang="en-US" sz="1050" dirty="0" err="1"/>
-              <a:t>bass_woodsy_c</a:t>
+              <a:t>drum_tom_lo_soft</a:t>
             </a:r>
             <a:endParaRPr lang="en-US" sz="1050" dirty="0"/>
           </a:p>
@@ -7993,7 +7942,7 @@
             </a:r>
             <a:r>
               <a:rPr lang="en-US" sz="1050" dirty="0" err="1"/>
-              <a:t>bass_voxy_c</a:t>
+              <a:t>drum_tom_lo_hard</a:t>
             </a:r>
             <a:endParaRPr lang="en-US" sz="1050" dirty="0"/>
           </a:p>
@@ -8004,7 +7953,7 @@
             </a:r>
             <a:r>
               <a:rPr lang="en-US" sz="1050" dirty="0" err="1"/>
-              <a:t>bass_voxy_hit_c</a:t>
+              <a:t>drum_tom_hi_soft</a:t>
             </a:r>
             <a:endParaRPr lang="en-US" sz="1050" dirty="0"/>
           </a:p>
@@ -8015,26 +7964,182 @@
             </a:r>
             <a:r>
               <a:rPr lang="en-US" sz="1050" dirty="0" err="1"/>
-              <a:t>bass_dnb_f</a:t>
+              <a:t>drum_tom_hi_hard</a:t>
+            </a:r>
+            <a:endParaRPr lang="en-US" sz="1050" dirty="0"/>
+          </a:p>
+          <a:p>
+            <a:r>
+              <a:rPr lang="en-US" sz="1050" dirty="0"/>
+              <a:t>:</a:t>
+            </a:r>
+            <a:r>
+              <a:rPr lang="en-US" sz="1050" dirty="0" err="1"/>
+              <a:t>drum_splash_soft</a:t>
+            </a:r>
+            <a:endParaRPr lang="en-US" sz="1050" dirty="0"/>
+          </a:p>
+          <a:p>
+            <a:r>
+              <a:rPr lang="en-US" sz="1050" dirty="0"/>
+              <a:t>:</a:t>
+            </a:r>
+            <a:r>
+              <a:rPr lang="en-US" sz="1050" dirty="0" err="1"/>
+              <a:t>drum_splash_hard</a:t>
+            </a:r>
+            <a:endParaRPr lang="en-US" sz="1050" dirty="0"/>
+          </a:p>
+          <a:p>
+            <a:r>
+              <a:rPr lang="en-US" sz="1050" dirty="0"/>
+              <a:t>:</a:t>
+            </a:r>
+            <a:r>
+              <a:rPr lang="en-US" sz="1050" dirty="0" err="1"/>
+              <a:t>drum_snare_soft</a:t>
+            </a:r>
+            <a:endParaRPr lang="en-US" sz="1050" dirty="0"/>
+          </a:p>
+          <a:p>
+            <a:r>
+              <a:rPr lang="en-US" sz="1050" dirty="0"/>
+              <a:t>:</a:t>
+            </a:r>
+            <a:r>
+              <a:rPr lang="en-US" sz="1050" dirty="0" err="1"/>
+              <a:t>drum_snare_hard</a:t>
+            </a:r>
+            <a:endParaRPr lang="en-US" sz="1050" dirty="0"/>
+          </a:p>
+          <a:p>
+            <a:r>
+              <a:rPr lang="en-US" sz="1050" dirty="0"/>
+              <a:t>:</a:t>
+            </a:r>
+            <a:r>
+              <a:rPr lang="en-US" sz="1050" dirty="0" err="1"/>
+              <a:t>drum_cymbal_soft</a:t>
+            </a:r>
+            <a:endParaRPr lang="en-US" sz="1050" dirty="0"/>
+          </a:p>
+          <a:p>
+            <a:r>
+              <a:rPr lang="en-US" sz="1050" dirty="0"/>
+              <a:t>:</a:t>
+            </a:r>
+            <a:r>
+              <a:rPr lang="en-US" sz="1050" dirty="0" err="1"/>
+              <a:t>drum_cymbal_hard</a:t>
+            </a:r>
+            <a:endParaRPr lang="en-US" sz="1050" dirty="0"/>
+          </a:p>
+          <a:p>
+            <a:r>
+              <a:rPr lang="en-US" sz="1050" dirty="0"/>
+              <a:t>:</a:t>
+            </a:r>
+            <a:r>
+              <a:rPr lang="en-US" sz="1050" dirty="0" err="1"/>
+              <a:t>drum_cymbal_open</a:t>
+            </a:r>
+            <a:endParaRPr lang="en-US" sz="1050" dirty="0"/>
+          </a:p>
+          <a:p>
+            <a:r>
+              <a:rPr lang="en-US" sz="1050" dirty="0"/>
+              <a:t>:</a:t>
+            </a:r>
+            <a:r>
+              <a:rPr lang="en-US" sz="1050" dirty="0" err="1"/>
+              <a:t>drum_cymbal_closed</a:t>
+            </a:r>
+            <a:endParaRPr lang="en-US" sz="1050" dirty="0"/>
+          </a:p>
+          <a:p>
+            <a:r>
+              <a:rPr lang="en-US" sz="1050" dirty="0"/>
+              <a:t>:</a:t>
+            </a:r>
+            <a:r>
+              <a:rPr lang="en-US" sz="1050" dirty="0" err="1"/>
+              <a:t>drum_cymbal_pedal</a:t>
+            </a:r>
+            <a:endParaRPr lang="en-US" sz="1050" dirty="0"/>
+          </a:p>
+          <a:p>
+            <a:r>
+              <a:rPr lang="en-US" sz="1050" dirty="0"/>
+              <a:t>:</a:t>
+            </a:r>
+            <a:r>
+              <a:rPr lang="en-US" sz="1050" dirty="0" err="1"/>
+              <a:t>drum_bass_soft</a:t>
+            </a:r>
+            <a:endParaRPr lang="en-US" sz="1050" dirty="0"/>
+          </a:p>
+          <a:p>
+            <a:r>
+              <a:rPr lang="en-US" sz="1050" dirty="0"/>
+              <a:t>:</a:t>
+            </a:r>
+            <a:r>
+              <a:rPr lang="en-US" sz="1050" dirty="0" err="1"/>
+              <a:t>drum_bass_hard</a:t>
             </a:r>
             <a:r>
               <a:rPr lang="en-US" sz="1050" dirty="0"/>
               <a:t> </a:t>
             </a:r>
-            <a:endParaRPr lang="de-DE" sz="1050" dirty="0"/>
-          </a:p>
-        </p:txBody>
-      </p:sp>
-      <p:sp>
-        <p:nvSpPr>
-          <p:cNvPr id="13" name="TextBox 12"/>
-          <p:cNvSpPr txBox="1"/>
+          </a:p>
+          <a:p>
+            <a:r>
+              <a:rPr lang="en-US" sz="1050" dirty="0"/>
+              <a:t>:</a:t>
+            </a:r>
+            <a:r>
+              <a:rPr lang="en-US" sz="1050" dirty="0" err="1"/>
+              <a:t>sn_dub</a:t>
+            </a:r>
+            <a:endParaRPr lang="en-US" sz="1050" dirty="0"/>
+          </a:p>
+          <a:p>
+            <a:r>
+              <a:rPr lang="en-US" sz="1050" dirty="0"/>
+              <a:t>:</a:t>
+            </a:r>
+            <a:r>
+              <a:rPr lang="en-US" sz="1050" dirty="0" err="1"/>
+              <a:t>sn_dolf</a:t>
+            </a:r>
+            <a:endParaRPr lang="en-US" sz="1050" dirty="0"/>
+          </a:p>
+          <a:p>
+            <a:r>
+              <a:rPr lang="en-US" sz="1050" dirty="0"/>
+              <a:t>:</a:t>
+            </a:r>
+            <a:r>
+              <a:rPr lang="en-US" sz="1050" dirty="0" err="1"/>
+              <a:t>sn_zome</a:t>
+            </a:r>
+            <a:r>
+              <a:rPr lang="en-US" sz="1050" dirty="0"/>
+              <a:t> </a:t>
+            </a:r>
+          </a:p>
+        </p:txBody>
+      </p:sp>
+      <p:sp>
+        <p:nvSpPr>
+          <p:cNvPr id="4" name="Rectangle 3"/>
+          <p:cNvSpPr/>
           <p:nvPr/>
         </p:nvSpPr>
         <p:spPr>
           <a:xfrm>
-            <a:off x="3767760" y="5544171"/>
-            <a:ext cx="1479419" cy="3485570"/>
+            <a:off x="307089" y="3363535"/>
+            <a:ext cx="1681751" cy="4131900"/>
           </a:xfrm>
           <a:prstGeom prst="rect">
             <a:avLst/>
@@ -8061,253 +8166,289 @@
           <a:lstStyle/>
           <a:p>
             <a:r>
-              <a:rPr lang="en-US" sz="1050" dirty="0"/>
+              <a:rPr lang="de-DE" sz="1050" dirty="0"/>
               <a:t>:</a:t>
             </a:r>
             <a:r>
-              <a:rPr lang="en-US" sz="1050" dirty="0" err="1"/>
-              <a:t>drum_heavy_kick</a:t>
-            </a:r>
-            <a:endParaRPr lang="en-US" sz="1050" dirty="0"/>
-          </a:p>
-          <a:p>
-            <a:r>
-              <a:rPr lang="en-US" sz="1050" dirty="0"/>
+              <a:rPr lang="de-DE" sz="1050" dirty="0" err="1"/>
+              <a:t>elec_triangle</a:t>
+            </a:r>
+            <a:endParaRPr lang="de-DE" sz="1050" dirty="0"/>
+          </a:p>
+          <a:p>
+            <a:r>
+              <a:rPr lang="de-DE" sz="1050" dirty="0"/>
               <a:t>:</a:t>
             </a:r>
             <a:r>
-              <a:rPr lang="en-US" sz="1050" dirty="0" err="1"/>
-              <a:t>drum_tom_mid_soft</a:t>
-            </a:r>
-            <a:endParaRPr lang="en-US" sz="1050" dirty="0"/>
-          </a:p>
-          <a:p>
-            <a:r>
-              <a:rPr lang="en-US" sz="1050" dirty="0"/>
+              <a:rPr lang="de-DE" sz="1050" dirty="0" err="1"/>
+              <a:t>elec_snare</a:t>
+            </a:r>
+            <a:endParaRPr lang="de-DE" sz="1050" dirty="0"/>
+          </a:p>
+          <a:p>
+            <a:r>
+              <a:rPr lang="de-DE" sz="1050" dirty="0"/>
               <a:t>:</a:t>
             </a:r>
             <a:r>
-              <a:rPr lang="en-US" sz="1050" dirty="0" err="1"/>
-              <a:t>drum_tom_mid_hard</a:t>
-            </a:r>
-            <a:endParaRPr lang="en-US" sz="1050" dirty="0"/>
-          </a:p>
-          <a:p>
-            <a:r>
-              <a:rPr lang="en-US" sz="1050" dirty="0"/>
+              <a:rPr lang="de-DE" sz="1050" dirty="0" err="1"/>
+              <a:t>elec_lo_snare</a:t>
+            </a:r>
+            <a:endParaRPr lang="de-DE" sz="1050" dirty="0"/>
+          </a:p>
+          <a:p>
+            <a:r>
+              <a:rPr lang="de-DE" sz="1050" dirty="0"/>
               <a:t>:</a:t>
             </a:r>
             <a:r>
-              <a:rPr lang="en-US" sz="1050" dirty="0" err="1"/>
-              <a:t>drum_tom_lo_soft</a:t>
-            </a:r>
-            <a:endParaRPr lang="en-US" sz="1050" dirty="0"/>
-          </a:p>
-          <a:p>
-            <a:r>
-              <a:rPr lang="en-US" sz="1050" dirty="0"/>
+              <a:rPr lang="de-DE" sz="1050" dirty="0" err="1"/>
+              <a:t>elec_hi_snare</a:t>
+            </a:r>
+            <a:endParaRPr lang="de-DE" sz="1050" dirty="0"/>
+          </a:p>
+          <a:p>
+            <a:r>
+              <a:rPr lang="de-DE" sz="1050" dirty="0"/>
               <a:t>:</a:t>
             </a:r>
             <a:r>
-              <a:rPr lang="en-US" sz="1050" dirty="0" err="1"/>
-              <a:t>drum_tom_lo_hard</a:t>
-            </a:r>
-            <a:endParaRPr lang="en-US" sz="1050" dirty="0"/>
-          </a:p>
-          <a:p>
-            <a:r>
-              <a:rPr lang="en-US" sz="1050" dirty="0"/>
+              <a:rPr lang="de-DE" sz="1050" dirty="0" err="1"/>
+              <a:t>elec_mid_snare</a:t>
+            </a:r>
+            <a:endParaRPr lang="de-DE" sz="1050" dirty="0"/>
+          </a:p>
+          <a:p>
+            <a:r>
+              <a:rPr lang="de-DE" sz="1050" dirty="0"/>
               <a:t>:</a:t>
             </a:r>
             <a:r>
-              <a:rPr lang="en-US" sz="1050" dirty="0" err="1"/>
-              <a:t>drum_tom_hi_soft</a:t>
-            </a:r>
-            <a:endParaRPr lang="en-US" sz="1050" dirty="0"/>
-          </a:p>
-          <a:p>
-            <a:r>
-              <a:rPr lang="en-US" sz="1050" dirty="0"/>
+              <a:rPr lang="de-DE" sz="1050" dirty="0" err="1"/>
+              <a:t>elec_cymbal</a:t>
+            </a:r>
+            <a:endParaRPr lang="de-DE" sz="1050" dirty="0"/>
+          </a:p>
+          <a:p>
+            <a:r>
+              <a:rPr lang="de-DE" sz="1050" dirty="0"/>
               <a:t>:</a:t>
             </a:r>
             <a:r>
-              <a:rPr lang="en-US" sz="1050" dirty="0" err="1"/>
-              <a:t>drum_tom_hi_hard</a:t>
-            </a:r>
-            <a:endParaRPr lang="en-US" sz="1050" dirty="0"/>
-          </a:p>
-          <a:p>
-            <a:r>
-              <a:rPr lang="en-US" sz="1050" dirty="0"/>
+              <a:rPr lang="de-DE" sz="1050" dirty="0" err="1"/>
+              <a:t>elec_soft_kick</a:t>
+            </a:r>
+            <a:endParaRPr lang="de-DE" sz="1050" dirty="0"/>
+          </a:p>
+          <a:p>
+            <a:r>
+              <a:rPr lang="de-DE" sz="1050" dirty="0"/>
               <a:t>:</a:t>
             </a:r>
             <a:r>
-              <a:rPr lang="en-US" sz="1050" dirty="0" err="1"/>
-              <a:t>drum_splash_soft</a:t>
-            </a:r>
-            <a:endParaRPr lang="en-US" sz="1050" dirty="0"/>
-          </a:p>
-          <a:p>
-            <a:r>
-              <a:rPr lang="en-US" sz="1050" dirty="0"/>
+              <a:rPr lang="de-DE" sz="1050" dirty="0" err="1"/>
+              <a:t>elec_filt_snare</a:t>
+            </a:r>
+            <a:endParaRPr lang="de-DE" sz="1050" dirty="0"/>
+          </a:p>
+          <a:p>
+            <a:r>
+              <a:rPr lang="de-DE" sz="1050" dirty="0"/>
               <a:t>:</a:t>
             </a:r>
             <a:r>
-              <a:rPr lang="en-US" sz="1050" dirty="0" err="1"/>
-              <a:t>drum_splash_hard</a:t>
-            </a:r>
-            <a:endParaRPr lang="en-US" sz="1050" dirty="0"/>
-          </a:p>
-          <a:p>
-            <a:r>
-              <a:rPr lang="en-US" sz="1050" dirty="0"/>
+              <a:rPr lang="de-DE" sz="1050" dirty="0" err="1"/>
+              <a:t>elec_fuzz_tom</a:t>
+            </a:r>
+            <a:endParaRPr lang="de-DE" sz="1050" dirty="0"/>
+          </a:p>
+          <a:p>
+            <a:r>
+              <a:rPr lang="de-DE" sz="1050" dirty="0"/>
               <a:t>:</a:t>
             </a:r>
             <a:r>
-              <a:rPr lang="en-US" sz="1050" dirty="0" err="1"/>
-              <a:t>drum_snare_soft</a:t>
-            </a:r>
-            <a:endParaRPr lang="en-US" sz="1050" dirty="0"/>
-          </a:p>
-          <a:p>
-            <a:r>
-              <a:rPr lang="en-US" sz="1050" dirty="0"/>
+              <a:rPr lang="de-DE" sz="1050" dirty="0" err="1"/>
+              <a:t>elec_chime</a:t>
+            </a:r>
+            <a:endParaRPr lang="de-DE" sz="1050" dirty="0"/>
+          </a:p>
+          <a:p>
+            <a:r>
+              <a:rPr lang="de-DE" sz="1050" dirty="0"/>
               <a:t>:</a:t>
             </a:r>
             <a:r>
-              <a:rPr lang="en-US" sz="1050" dirty="0" err="1"/>
-              <a:t>drum_snare_hard</a:t>
-            </a:r>
-            <a:endParaRPr lang="en-US" sz="1050" dirty="0"/>
-          </a:p>
-          <a:p>
-            <a:r>
-              <a:rPr lang="en-US" sz="1050" dirty="0"/>
+              <a:rPr lang="de-DE" sz="1050" dirty="0" err="1"/>
+              <a:t>elec_bong</a:t>
+            </a:r>
+            <a:endParaRPr lang="de-DE" sz="1050" dirty="0"/>
+          </a:p>
+          <a:p>
+            <a:r>
+              <a:rPr lang="de-DE" sz="1050" dirty="0"/>
               <a:t>:</a:t>
             </a:r>
             <a:r>
-              <a:rPr lang="en-US" sz="1050" dirty="0" err="1"/>
-              <a:t>drum_cymbal_soft</a:t>
-            </a:r>
-            <a:endParaRPr lang="en-US" sz="1050" dirty="0"/>
-          </a:p>
-          <a:p>
-            <a:r>
-              <a:rPr lang="en-US" sz="1050" dirty="0"/>
+              <a:rPr lang="de-DE" sz="1050" dirty="0" err="1"/>
+              <a:t>elec_twang</a:t>
+            </a:r>
+            <a:endParaRPr lang="de-DE" sz="1050" dirty="0"/>
+          </a:p>
+          <a:p>
+            <a:r>
+              <a:rPr lang="de-DE" sz="1050" dirty="0"/>
               <a:t>:</a:t>
             </a:r>
             <a:r>
-              <a:rPr lang="en-US" sz="1050" dirty="0" err="1"/>
-              <a:t>drum_cymbal_hard</a:t>
-            </a:r>
-            <a:endParaRPr lang="en-US" sz="1050" dirty="0"/>
-          </a:p>
-          <a:p>
-            <a:r>
-              <a:rPr lang="en-US" sz="1050" dirty="0"/>
+              <a:rPr lang="de-DE" sz="1050" dirty="0" err="1"/>
+              <a:t>elec_wood</a:t>
+            </a:r>
+            <a:endParaRPr lang="de-DE" sz="1050" dirty="0"/>
+          </a:p>
+          <a:p>
+            <a:r>
+              <a:rPr lang="de-DE" sz="1050" dirty="0"/>
               <a:t>:</a:t>
             </a:r>
             <a:r>
-              <a:rPr lang="en-US" sz="1050" dirty="0" err="1"/>
-              <a:t>drum_cymbal_open</a:t>
-            </a:r>
-            <a:endParaRPr lang="en-US" sz="1050" dirty="0"/>
-          </a:p>
-          <a:p>
-            <a:r>
-              <a:rPr lang="en-US" sz="1050" dirty="0"/>
+              <a:rPr lang="de-DE" sz="1050" dirty="0" err="1"/>
+              <a:t>elec_pop</a:t>
+            </a:r>
+            <a:endParaRPr lang="de-DE" sz="1050" dirty="0"/>
+          </a:p>
+          <a:p>
+            <a:r>
+              <a:rPr lang="de-DE" sz="1050" dirty="0"/>
               <a:t>:</a:t>
             </a:r>
             <a:r>
-              <a:rPr lang="en-US" sz="1050" dirty="0" err="1"/>
-              <a:t>drum_cymbal_closed</a:t>
-            </a:r>
-            <a:endParaRPr lang="en-US" sz="1050" dirty="0"/>
-          </a:p>
-          <a:p>
-            <a:r>
-              <a:rPr lang="en-US" sz="1050" dirty="0"/>
+              <a:rPr lang="de-DE" sz="1050" dirty="0" err="1"/>
+              <a:t>elec_beep</a:t>
+            </a:r>
+            <a:endParaRPr lang="de-DE" sz="1050" dirty="0"/>
+          </a:p>
+          <a:p>
+            <a:r>
+              <a:rPr lang="de-DE" sz="1050" dirty="0"/>
               <a:t>:</a:t>
             </a:r>
             <a:r>
-              <a:rPr lang="en-US" sz="1050" dirty="0" err="1"/>
-              <a:t>drum_cymbal_pedal</a:t>
-            </a:r>
-            <a:endParaRPr lang="en-US" sz="1050" dirty="0"/>
-          </a:p>
-          <a:p>
-            <a:r>
-              <a:rPr lang="en-US" sz="1050" dirty="0"/>
+              <a:rPr lang="de-DE" sz="1050" dirty="0" err="1"/>
+              <a:t>elec_blip</a:t>
+            </a:r>
+            <a:endParaRPr lang="de-DE" sz="1050" dirty="0"/>
+          </a:p>
+          <a:p>
+            <a:r>
+              <a:rPr lang="de-DE" sz="1050" dirty="0"/>
+              <a:t>:elec_blip2</a:t>
+            </a:r>
+          </a:p>
+          <a:p>
+            <a:r>
+              <a:rPr lang="de-DE" sz="1050" dirty="0"/>
               <a:t>:</a:t>
             </a:r>
             <a:r>
-              <a:rPr lang="en-US" sz="1050" dirty="0" err="1"/>
-              <a:t>drum_bass_soft</a:t>
-            </a:r>
-            <a:endParaRPr lang="en-US" sz="1050" dirty="0"/>
-          </a:p>
-          <a:p>
-            <a:r>
-              <a:rPr lang="en-US" sz="1050" dirty="0"/>
+              <a:rPr lang="de-DE" sz="1050" dirty="0" err="1"/>
+              <a:t>elec_ping</a:t>
+            </a:r>
+            <a:endParaRPr lang="de-DE" sz="1050" dirty="0"/>
+          </a:p>
+          <a:p>
+            <a:r>
+              <a:rPr lang="de-DE" sz="1050" dirty="0"/>
               <a:t>:</a:t>
             </a:r>
             <a:r>
-              <a:rPr lang="en-US" sz="1050" dirty="0" err="1"/>
-              <a:t>drum_bass_hard</a:t>
-            </a:r>
-            <a:r>
-              <a:rPr lang="en-US" sz="1050" dirty="0"/>
+              <a:rPr lang="de-DE" sz="1050" dirty="0" err="1"/>
+              <a:t>elec_bell</a:t>
+            </a:r>
+            <a:endParaRPr lang="de-DE" sz="1050" dirty="0"/>
+          </a:p>
+          <a:p>
+            <a:r>
+              <a:rPr lang="de-DE" sz="1050" dirty="0"/>
+              <a:t>:</a:t>
+            </a:r>
+            <a:r>
+              <a:rPr lang="de-DE" sz="1050" dirty="0" err="1"/>
+              <a:t>elec_flip</a:t>
+            </a:r>
+            <a:endParaRPr lang="de-DE" sz="1050" dirty="0"/>
+          </a:p>
+          <a:p>
+            <a:r>
+              <a:rPr lang="de-DE" sz="1050" dirty="0"/>
+              <a:t>:</a:t>
+            </a:r>
+            <a:r>
+              <a:rPr lang="de-DE" sz="1050" dirty="0" err="1"/>
+              <a:t>elec_tick</a:t>
+            </a:r>
+            <a:endParaRPr lang="de-DE" sz="1050" dirty="0"/>
+          </a:p>
+          <a:p>
+            <a:r>
+              <a:rPr lang="de-DE" sz="1050" dirty="0"/>
+              <a:t>:</a:t>
+            </a:r>
+            <a:r>
+              <a:rPr lang="de-DE" sz="1050" dirty="0" err="1"/>
+              <a:t>elec_hollow_kick</a:t>
+            </a:r>
+            <a:endParaRPr lang="de-DE" sz="1050" dirty="0"/>
+          </a:p>
+          <a:p>
+            <a:r>
+              <a:rPr lang="de-DE" sz="1050" dirty="0"/>
+              <a:t>:</a:t>
+            </a:r>
+            <a:r>
+              <a:rPr lang="de-DE" sz="1050" dirty="0" err="1"/>
+              <a:t>elec_twip</a:t>
+            </a:r>
+            <a:endParaRPr lang="de-DE" sz="1050" dirty="0"/>
+          </a:p>
+          <a:p>
+            <a:r>
+              <a:rPr lang="de-DE" sz="1050" dirty="0"/>
+              <a:t>:</a:t>
+            </a:r>
+            <a:r>
+              <a:rPr lang="de-DE" sz="1050" dirty="0" err="1"/>
+              <a:t>elec_plip</a:t>
+            </a:r>
+            <a:endParaRPr lang="de-DE" sz="1050" dirty="0"/>
+          </a:p>
+          <a:p>
+            <a:r>
+              <a:rPr lang="de-DE" sz="1050" dirty="0"/>
+              <a:t>:</a:t>
+            </a:r>
+            <a:r>
+              <a:rPr lang="de-DE" sz="1050" dirty="0" err="1"/>
+              <a:t>elec_blup</a:t>
+            </a:r>
+            <a:r>
+              <a:rPr lang="de-DE" sz="1050" dirty="0"/>
               <a:t> </a:t>
             </a:r>
           </a:p>
-          <a:p>
-            <a:r>
-              <a:rPr lang="en-US" sz="1050" dirty="0"/>
-              <a:t>:</a:t>
-            </a:r>
-            <a:r>
-              <a:rPr lang="en-US" sz="1050" dirty="0" err="1"/>
-              <a:t>sn_dub</a:t>
-            </a:r>
-            <a:endParaRPr lang="en-US" sz="1050" dirty="0"/>
-          </a:p>
-          <a:p>
-            <a:r>
-              <a:rPr lang="en-US" sz="1050" dirty="0"/>
-              <a:t>:</a:t>
-            </a:r>
-            <a:r>
-              <a:rPr lang="en-US" sz="1050" dirty="0" err="1"/>
-              <a:t>sn_dolf</a:t>
-            </a:r>
-            <a:endParaRPr lang="en-US" sz="1050" dirty="0"/>
-          </a:p>
-          <a:p>
-            <a:r>
-              <a:rPr lang="en-US" sz="1050" dirty="0"/>
-              <a:t>:</a:t>
-            </a:r>
-            <a:r>
-              <a:rPr lang="en-US" sz="1050" dirty="0" err="1"/>
-              <a:t>sn_zome</a:t>
-            </a:r>
-            <a:r>
-              <a:rPr lang="en-US" sz="1050" dirty="0"/>
-              <a:t> </a:t>
-            </a:r>
-          </a:p>
-        </p:txBody>
-      </p:sp>
-      <p:sp>
-        <p:nvSpPr>
-          <p:cNvPr id="4" name="Rectangle 3"/>
-          <p:cNvSpPr/>
+        </p:txBody>
+      </p:sp>
+      <p:sp>
+        <p:nvSpPr>
+          <p:cNvPr id="15" name="TextBox 14"/>
+          <p:cNvSpPr txBox="1"/>
           <p:nvPr/>
         </p:nvSpPr>
         <p:spPr>
           <a:xfrm>
-            <a:off x="307089" y="3363535"/>
-            <a:ext cx="1681751" cy="4131900"/>
+            <a:off x="307089" y="7604631"/>
+            <a:ext cx="1681751" cy="738664"/>
           </a:xfrm>
           <a:prstGeom prst="rect">
             <a:avLst/>
@@ -8339,9 +8480,12 @@
             </a:r>
             <a:r>
               <a:rPr lang="de-DE" sz="1050" dirty="0" err="1"/>
-              <a:t>elec_triangle</a:t>
-            </a:r>
-            <a:endParaRPr lang="de-DE" sz="1050" dirty="0"/>
+              <a:t>misc_burp</a:t>
+            </a:r>
+            <a:r>
+              <a:rPr lang="de-DE" sz="1050" dirty="0"/>
+              <a:t> </a:t>
+            </a:r>
           </a:p>
           <a:p>
             <a:r>
@@ -8350,7 +8494,7 @@
             </a:r>
             <a:r>
               <a:rPr lang="de-DE" sz="1050" dirty="0" err="1"/>
-              <a:t>elec_snare</a:t>
+              <a:t>perc_bell</a:t>
             </a:r>
             <a:endParaRPr lang="de-DE" sz="1050" dirty="0"/>
           </a:p>
@@ -8361,261 +8505,27 @@
             </a:r>
             <a:r>
               <a:rPr lang="de-DE" sz="1050" dirty="0" err="1"/>
-              <a:t>elec_lo_snare</a:t>
+              <a:t>perc_snap</a:t>
             </a:r>
             <a:endParaRPr lang="de-DE" sz="1050" dirty="0"/>
           </a:p>
           <a:p>
             <a:r>
               <a:rPr lang="de-DE" sz="1050" dirty="0"/>
-              <a:t>:</a:t>
-            </a:r>
-            <a:r>
-              <a:rPr lang="de-DE" sz="1050" dirty="0" err="1"/>
-              <a:t>elec_hi_snare</a:t>
-            </a:r>
-            <a:endParaRPr lang="de-DE" sz="1050" dirty="0"/>
-          </a:p>
-          <a:p>
-            <a:r>
-              <a:rPr lang="de-DE" sz="1050" dirty="0"/>
-              <a:t>:</a:t>
-            </a:r>
-            <a:r>
-              <a:rPr lang="de-DE" sz="1050" dirty="0" err="1"/>
-              <a:t>elec_mid_snare</a:t>
-            </a:r>
-            <a:endParaRPr lang="de-DE" sz="1050" dirty="0"/>
-          </a:p>
-          <a:p>
-            <a:r>
-              <a:rPr lang="de-DE" sz="1050" dirty="0"/>
-              <a:t>:</a:t>
-            </a:r>
-            <a:r>
-              <a:rPr lang="de-DE" sz="1050" dirty="0" err="1"/>
-              <a:t>elec_cymbal</a:t>
-            </a:r>
-            <a:endParaRPr lang="de-DE" sz="1050" dirty="0"/>
-          </a:p>
-          <a:p>
-            <a:r>
-              <a:rPr lang="de-DE" sz="1050" dirty="0"/>
-              <a:t>:</a:t>
-            </a:r>
-            <a:r>
-              <a:rPr lang="de-DE" sz="1050" dirty="0" err="1"/>
-              <a:t>elec_soft_kick</a:t>
-            </a:r>
-            <a:endParaRPr lang="de-DE" sz="1050" dirty="0"/>
-          </a:p>
-          <a:p>
-            <a:r>
-              <a:rPr lang="de-DE" sz="1050" dirty="0"/>
-              <a:t>:</a:t>
-            </a:r>
-            <a:r>
-              <a:rPr lang="de-DE" sz="1050" dirty="0" err="1"/>
-              <a:t>elec_filt_snare</a:t>
-            </a:r>
-            <a:endParaRPr lang="de-DE" sz="1050" dirty="0"/>
-          </a:p>
-          <a:p>
-            <a:r>
-              <a:rPr lang="de-DE" sz="1050" dirty="0"/>
-              <a:t>:</a:t>
-            </a:r>
-            <a:r>
-              <a:rPr lang="de-DE" sz="1050" dirty="0" err="1"/>
-              <a:t>elec_fuzz_tom</a:t>
-            </a:r>
-            <a:endParaRPr lang="de-DE" sz="1050" dirty="0"/>
-          </a:p>
-          <a:p>
-            <a:r>
-              <a:rPr lang="de-DE" sz="1050" dirty="0"/>
-              <a:t>:</a:t>
-            </a:r>
-            <a:r>
-              <a:rPr lang="de-DE" sz="1050" dirty="0" err="1"/>
-              <a:t>elec_chime</a:t>
-            </a:r>
-            <a:endParaRPr lang="de-DE" sz="1050" dirty="0"/>
-          </a:p>
-          <a:p>
-            <a:r>
-              <a:rPr lang="de-DE" sz="1050" dirty="0"/>
-              <a:t>:</a:t>
-            </a:r>
-            <a:r>
-              <a:rPr lang="de-DE" sz="1050" dirty="0" err="1"/>
-              <a:t>elec_bong</a:t>
-            </a:r>
-            <a:endParaRPr lang="de-DE" sz="1050" dirty="0"/>
-          </a:p>
-          <a:p>
-            <a:r>
-              <a:rPr lang="de-DE" sz="1050" dirty="0"/>
-              <a:t>:</a:t>
-            </a:r>
-            <a:r>
-              <a:rPr lang="de-DE" sz="1050" dirty="0" err="1"/>
-              <a:t>elec_twang</a:t>
-            </a:r>
-            <a:endParaRPr lang="de-DE" sz="1050" dirty="0"/>
-          </a:p>
-          <a:p>
-            <a:r>
-              <a:rPr lang="de-DE" sz="1050" dirty="0"/>
-              <a:t>:</a:t>
-            </a:r>
-            <a:r>
-              <a:rPr lang="de-DE" sz="1050" dirty="0" err="1"/>
-              <a:t>elec_wood</a:t>
-            </a:r>
-            <a:endParaRPr lang="de-DE" sz="1050" dirty="0"/>
-          </a:p>
-          <a:p>
-            <a:r>
-              <a:rPr lang="de-DE" sz="1050" dirty="0"/>
-              <a:t>:</a:t>
-            </a:r>
-            <a:r>
-              <a:rPr lang="de-DE" sz="1050" dirty="0" err="1"/>
-              <a:t>elec_pop</a:t>
-            </a:r>
-            <a:endParaRPr lang="de-DE" sz="1050" dirty="0"/>
-          </a:p>
-          <a:p>
-            <a:r>
-              <a:rPr lang="de-DE" sz="1050" dirty="0"/>
-              <a:t>:</a:t>
-            </a:r>
-            <a:r>
-              <a:rPr lang="de-DE" sz="1050" dirty="0" err="1"/>
-              <a:t>elec_beep</a:t>
-            </a:r>
-            <a:endParaRPr lang="de-DE" sz="1050" dirty="0"/>
-          </a:p>
-          <a:p>
-            <a:r>
-              <a:rPr lang="de-DE" sz="1050" dirty="0"/>
-              <a:t>:</a:t>
-            </a:r>
-            <a:r>
-              <a:rPr lang="de-DE" sz="1050" dirty="0" err="1"/>
-              <a:t>elec_blip</a:t>
-            </a:r>
-            <a:endParaRPr lang="de-DE" sz="1050" dirty="0"/>
-          </a:p>
-          <a:p>
-            <a:r>
-              <a:rPr lang="de-DE" sz="1050" dirty="0"/>
-              <a:t>:elec_blip2</a:t>
-            </a:r>
-          </a:p>
-          <a:p>
-            <a:r>
-              <a:rPr lang="de-DE" sz="1050" dirty="0"/>
-              <a:t>:</a:t>
-            </a:r>
-            <a:r>
-              <a:rPr lang="de-DE" sz="1050" dirty="0" err="1"/>
-              <a:t>elec_ping</a:t>
-            </a:r>
-            <a:endParaRPr lang="de-DE" sz="1050" dirty="0"/>
-          </a:p>
-          <a:p>
-            <a:r>
-              <a:rPr lang="de-DE" sz="1050" dirty="0"/>
-              <a:t>:</a:t>
-            </a:r>
-            <a:r>
-              <a:rPr lang="de-DE" sz="1050" dirty="0" err="1"/>
-              <a:t>elec_bell</a:t>
-            </a:r>
-            <a:endParaRPr lang="de-DE" sz="1050" dirty="0"/>
-          </a:p>
-          <a:p>
-            <a:r>
-              <a:rPr lang="de-DE" sz="1050" dirty="0"/>
-              <a:t>:</a:t>
-            </a:r>
-            <a:r>
-              <a:rPr lang="de-DE" sz="1050" dirty="0" err="1"/>
-              <a:t>elec_flip</a:t>
-            </a:r>
-            <a:endParaRPr lang="de-DE" sz="1050" dirty="0"/>
-          </a:p>
-          <a:p>
-            <a:r>
-              <a:rPr lang="de-DE" sz="1050" dirty="0"/>
-              <a:t>:</a:t>
-            </a:r>
-            <a:r>
-              <a:rPr lang="de-DE" sz="1050" dirty="0" err="1"/>
-              <a:t>elec_tick</a:t>
-            </a:r>
-            <a:endParaRPr lang="de-DE" sz="1050" dirty="0"/>
-          </a:p>
-          <a:p>
-            <a:r>
-              <a:rPr lang="de-DE" sz="1050" dirty="0"/>
-              <a:t>:</a:t>
-            </a:r>
-            <a:r>
-              <a:rPr lang="de-DE" sz="1050" dirty="0" err="1"/>
-              <a:t>elec_hollow_kick</a:t>
-            </a:r>
-            <a:endParaRPr lang="de-DE" sz="1050" dirty="0"/>
-          </a:p>
-          <a:p>
-            <a:r>
-              <a:rPr lang="de-DE" sz="1050" dirty="0"/>
-              <a:t>:</a:t>
-            </a:r>
-            <a:r>
-              <a:rPr lang="de-DE" sz="1050" dirty="0" err="1"/>
-              <a:t>elec_twip</a:t>
-            </a:r>
-            <a:endParaRPr lang="de-DE" sz="1050" dirty="0"/>
-          </a:p>
-          <a:p>
-            <a:r>
-              <a:rPr lang="de-DE" sz="1050" dirty="0"/>
-              <a:t>:</a:t>
-            </a:r>
-            <a:r>
-              <a:rPr lang="de-DE" sz="1050" dirty="0" err="1"/>
-              <a:t>elec_plip</a:t>
-            </a:r>
-            <a:endParaRPr lang="de-DE" sz="1050" dirty="0"/>
-          </a:p>
-          <a:p>
-            <a:r>
-              <a:rPr lang="de-DE" sz="1050" dirty="0"/>
-              <a:t>:</a:t>
-            </a:r>
-            <a:r>
-              <a:rPr lang="de-DE" sz="1050" dirty="0" err="1"/>
-              <a:t>elec_blup</a:t>
-            </a:r>
-            <a:r>
-              <a:rPr lang="de-DE" sz="1050" dirty="0"/>
-              <a:t> </a:t>
-            </a:r>
-          </a:p>
-        </p:txBody>
-      </p:sp>
-      <p:sp>
-        <p:nvSpPr>
-          <p:cNvPr id="15" name="TextBox 14"/>
+              <a:t>:perc_snap2 </a:t>
+            </a:r>
+          </a:p>
+        </p:txBody>
+      </p:sp>
+      <p:sp>
+        <p:nvSpPr>
+          <p:cNvPr id="16" name="TextBox 15"/>
           <p:cNvSpPr txBox="1"/>
           <p:nvPr/>
         </p:nvSpPr>
         <p:spPr>
           <a:xfrm>
-            <a:off x="307089" y="7604631"/>
+            <a:off x="307089" y="8441848"/>
             <a:ext cx="1681751" cy="738664"/>
           </a:xfrm>
           <a:prstGeom prst="rect">
@@ -8648,84 +8558,6 @@
             </a:r>
             <a:r>
               <a:rPr lang="de-DE" sz="1050" dirty="0" err="1"/>
-              <a:t>misc_burp</a:t>
-            </a:r>
-            <a:r>
-              <a:rPr lang="de-DE" sz="1050" dirty="0"/>
-              <a:t> </a:t>
-            </a:r>
-          </a:p>
-          <a:p>
-            <a:r>
-              <a:rPr lang="de-DE" sz="1050" dirty="0"/>
-              <a:t>:</a:t>
-            </a:r>
-            <a:r>
-              <a:rPr lang="de-DE" sz="1050" dirty="0" err="1"/>
-              <a:t>perc_bell</a:t>
-            </a:r>
-            <a:endParaRPr lang="de-DE" sz="1050" dirty="0"/>
-          </a:p>
-          <a:p>
-            <a:r>
-              <a:rPr lang="de-DE" sz="1050" dirty="0"/>
-              <a:t>:</a:t>
-            </a:r>
-            <a:r>
-              <a:rPr lang="de-DE" sz="1050" dirty="0" err="1"/>
-              <a:t>perc_snap</a:t>
-            </a:r>
-            <a:endParaRPr lang="de-DE" sz="1050" dirty="0"/>
-          </a:p>
-          <a:p>
-            <a:r>
-              <a:rPr lang="de-DE" sz="1050" dirty="0"/>
-              <a:t>:perc_snap2 </a:t>
-            </a:r>
-          </a:p>
-        </p:txBody>
-      </p:sp>
-      <p:sp>
-        <p:nvSpPr>
-          <p:cNvPr id="16" name="TextBox 15"/>
-          <p:cNvSpPr txBox="1"/>
-          <p:nvPr/>
-        </p:nvSpPr>
-        <p:spPr>
-          <a:xfrm>
-            <a:off x="307089" y="8441848"/>
-            <a:ext cx="1681751" cy="738664"/>
-          </a:xfrm>
-          <a:prstGeom prst="rect">
-            <a:avLst/>
-          </a:prstGeom>
-        </p:spPr>
-        <p:style>
-          <a:lnRef idx="1">
-            <a:schemeClr val="accent6"/>
-          </a:lnRef>
-          <a:fillRef idx="2">
-            <a:schemeClr val="accent6"/>
-          </a:fillRef>
-          <a:effectRef idx="1">
-            <a:schemeClr val="accent6"/>
-          </a:effectRef>
-          <a:fontRef idx="minor">
-            <a:schemeClr val="dk1"/>
-          </a:fontRef>
-        </p:style>
-        <p:txBody>
-          <a:bodyPr wrap="square" rtlCol="0">
-            <a:spAutoFit/>
-          </a:bodyPr>
-          <a:lstStyle/>
-          <a:p>
-            <a:r>
-              <a:rPr lang="de-DE" sz="1050" dirty="0"/>
-              <a:t>:</a:t>
-            </a:r>
-            <a:r>
-              <a:rPr lang="de-DE" sz="1050" dirty="0" err="1"/>
               <a:t>guit_harmonics</a:t>
             </a:r>
             <a:endParaRPr lang="de-DE" sz="1050" dirty="0"/>
@@ -8768,7 +8600,7 @@
         </p:nvSpPr>
         <p:spPr>
           <a:xfrm>
-            <a:off x="5365461" y="6059906"/>
+            <a:off x="5428398" y="5540161"/>
             <a:ext cx="1198801" cy="1223412"/>
           </a:xfrm>
           <a:prstGeom prst="rect">
@@ -8886,6 +8718,460 @@
           </a:prstGeom>
         </p:spPr>
       </p:pic>
+      <p:sp>
+        <p:nvSpPr>
+          <p:cNvPr id="19" name="TextBox 18"/>
+          <p:cNvSpPr txBox="1"/>
+          <p:nvPr/>
+        </p:nvSpPr>
+        <p:spPr>
+          <a:xfrm>
+            <a:off x="332657" y="1242789"/>
+            <a:ext cx="6264696" cy="1384995"/>
+          </a:xfrm>
+          <a:prstGeom prst="rect">
+            <a:avLst/>
+          </a:prstGeom>
+        </p:spPr>
+        <p:style>
+          <a:lnRef idx="1">
+            <a:schemeClr val="accent6"/>
+          </a:lnRef>
+          <a:fillRef idx="2">
+            <a:schemeClr val="accent6"/>
+          </a:fillRef>
+          <a:effectRef idx="1">
+            <a:schemeClr val="accent6"/>
+          </a:effectRef>
+          <a:fontRef idx="minor">
+            <a:schemeClr val="dk1"/>
+          </a:fontRef>
+        </p:style>
+        <p:txBody>
+          <a:bodyPr wrap="square" rtlCol="0">
+            <a:spAutoFit/>
+          </a:bodyPr>
+          <a:lstStyle>
+            <a:defPPr>
+              <a:defRPr lang="de-DE"/>
+            </a:defPPr>
+            <a:lvl1pPr>
+              <a:defRPr sz="1050">
+                <a:solidFill>
+                  <a:schemeClr val="dk1"/>
+                </a:solidFill>
+              </a:defRPr>
+            </a:lvl1pPr>
+            <a:lvl2pPr>
+              <a:defRPr>
+                <a:solidFill>
+                  <a:schemeClr val="dk1"/>
+                </a:solidFill>
+              </a:defRPr>
+            </a:lvl2pPr>
+            <a:lvl3pPr>
+              <a:defRPr>
+                <a:solidFill>
+                  <a:schemeClr val="dk1"/>
+                </a:solidFill>
+              </a:defRPr>
+            </a:lvl3pPr>
+            <a:lvl4pPr>
+              <a:defRPr>
+                <a:solidFill>
+                  <a:schemeClr val="dk1"/>
+                </a:solidFill>
+              </a:defRPr>
+            </a:lvl4pPr>
+            <a:lvl5pPr>
+              <a:defRPr>
+                <a:solidFill>
+                  <a:schemeClr val="dk1"/>
+                </a:solidFill>
+              </a:defRPr>
+            </a:lvl5pPr>
+            <a:lvl6pPr>
+              <a:defRPr>
+                <a:solidFill>
+                  <a:schemeClr val="dk1"/>
+                </a:solidFill>
+              </a:defRPr>
+            </a:lvl6pPr>
+            <a:lvl7pPr>
+              <a:defRPr>
+                <a:solidFill>
+                  <a:schemeClr val="dk1"/>
+                </a:solidFill>
+              </a:defRPr>
+            </a:lvl7pPr>
+            <a:lvl8pPr>
+              <a:defRPr>
+                <a:solidFill>
+                  <a:schemeClr val="dk1"/>
+                </a:solidFill>
+              </a:defRPr>
+            </a:lvl8pPr>
+            <a:lvl9pPr>
+              <a:defRPr>
+                <a:solidFill>
+                  <a:schemeClr val="dk1"/>
+                </a:solidFill>
+              </a:defRPr>
+            </a:lvl9pPr>
+          </a:lstStyle>
+          <a:p>
+            <a:r>
+              <a:rPr lang="de-DE" sz="1200" dirty="0" err="1"/>
+              <a:t>beep</a:t>
+            </a:r>
+            <a:r>
+              <a:rPr lang="de-DE" sz="1200" dirty="0"/>
+              <a:t>	blade	</a:t>
+            </a:r>
+            <a:r>
+              <a:rPr lang="de-DE" sz="1200" dirty="0" err="1"/>
+              <a:t>bnoise</a:t>
+            </a:r>
+            <a:r>
+              <a:rPr lang="de-DE" sz="1200" dirty="0"/>
+              <a:t>	</a:t>
+            </a:r>
+            <a:r>
+              <a:rPr lang="de-DE" sz="1200" dirty="0" err="1"/>
+              <a:t>cnoise</a:t>
+            </a:r>
+            <a:r>
+              <a:rPr lang="de-DE" sz="1200" dirty="0"/>
+              <a:t>	</a:t>
+            </a:r>
+            <a:r>
+              <a:rPr lang="de-DE" sz="1200" dirty="0" err="1"/>
+              <a:t>dark_ambience</a:t>
+            </a:r>
+            <a:r>
+              <a:rPr lang="de-DE" sz="1200" dirty="0"/>
+              <a:t> </a:t>
+            </a:r>
+          </a:p>
+          <a:p>
+            <a:r>
+              <a:rPr lang="de-DE" sz="1200" dirty="0" err="1"/>
+              <a:t>dpulse</a:t>
+            </a:r>
+            <a:r>
+              <a:rPr lang="de-DE" sz="1200" dirty="0"/>
+              <a:t>	</a:t>
+            </a:r>
+            <a:r>
+              <a:rPr lang="de-DE" sz="1200" dirty="0" err="1"/>
+              <a:t>dsaw</a:t>
+            </a:r>
+            <a:r>
+              <a:rPr lang="de-DE" sz="1200" dirty="0"/>
+              <a:t>	</a:t>
+            </a:r>
+            <a:r>
+              <a:rPr lang="de-DE" sz="1200" dirty="0" err="1"/>
+              <a:t>dull_bell</a:t>
+            </a:r>
+            <a:r>
+              <a:rPr lang="de-DE" sz="1200" dirty="0"/>
+              <a:t>	</a:t>
+            </a:r>
+            <a:r>
+              <a:rPr lang="de-DE" sz="1200" dirty="0" err="1"/>
+              <a:t>fm</a:t>
+            </a:r>
+            <a:r>
+              <a:rPr lang="de-DE" sz="1200" dirty="0"/>
+              <a:t>	</a:t>
+            </a:r>
+            <a:r>
+              <a:rPr lang="de-DE" sz="1200" dirty="0" err="1"/>
+              <a:t>gnoise</a:t>
+            </a:r>
+            <a:r>
+              <a:rPr lang="de-DE" sz="1200" dirty="0"/>
+              <a:t>	</a:t>
+            </a:r>
+            <a:r>
+              <a:rPr lang="de-DE" sz="1200" dirty="0" err="1"/>
+              <a:t>growl</a:t>
+            </a:r>
+            <a:endParaRPr lang="de-DE" sz="1200" dirty="0"/>
+          </a:p>
+          <a:p>
+            <a:r>
+              <a:rPr lang="de-DE" sz="1200" dirty="0" err="1"/>
+              <a:t>hollow</a:t>
+            </a:r>
+            <a:r>
+              <a:rPr lang="de-DE" sz="1200" dirty="0"/>
+              <a:t>	</a:t>
+            </a:r>
+            <a:r>
+              <a:rPr lang="de-DE" sz="1200" dirty="0" err="1"/>
+              <a:t>hoover</a:t>
+            </a:r>
+            <a:r>
+              <a:rPr lang="de-DE" sz="1200" dirty="0"/>
+              <a:t>	</a:t>
+            </a:r>
+          </a:p>
+          <a:p>
+            <a:r>
+              <a:rPr lang="de-DE" sz="1200" dirty="0" err="1"/>
+              <a:t>mod_beep</a:t>
+            </a:r>
+            <a:r>
+              <a:rPr lang="de-DE" sz="1200" dirty="0"/>
+              <a:t>	</a:t>
+            </a:r>
+            <a:r>
+              <a:rPr lang="de-DE" sz="1200" dirty="0" err="1"/>
+              <a:t>mod_dsaw</a:t>
+            </a:r>
+            <a:r>
+              <a:rPr lang="de-DE" sz="1200" dirty="0"/>
+              <a:t>	</a:t>
+            </a:r>
+            <a:r>
+              <a:rPr lang="de-DE" sz="1200" dirty="0" err="1"/>
+              <a:t>mod_fm</a:t>
+            </a:r>
+            <a:r>
+              <a:rPr lang="de-DE" sz="1200" dirty="0"/>
+              <a:t>	</a:t>
+            </a:r>
+            <a:r>
+              <a:rPr lang="de-DE" sz="1200" dirty="0" err="1" smtClean="0"/>
+              <a:t>chiplead</a:t>
+            </a:r>
+            <a:r>
+              <a:rPr lang="de-DE" sz="1200" dirty="0" smtClean="0"/>
+              <a:t>	</a:t>
+            </a:r>
+            <a:r>
+              <a:rPr lang="de-DE" sz="1200" dirty="0" err="1" smtClean="0"/>
+              <a:t>chipbass</a:t>
+            </a:r>
+            <a:r>
+              <a:rPr lang="de-DE" sz="1200" dirty="0" smtClean="0"/>
+              <a:t>	</a:t>
+            </a:r>
+            <a:r>
+              <a:rPr lang="de-DE" sz="1200" dirty="0" err="1" smtClean="0"/>
+              <a:t>chipnoise</a:t>
+            </a:r>
+            <a:endParaRPr lang="de-DE" sz="1200" dirty="0"/>
+          </a:p>
+          <a:p>
+            <a:r>
+              <a:rPr lang="de-DE" sz="1200" dirty="0" err="1"/>
+              <a:t>mod_pulse</a:t>
+            </a:r>
+            <a:r>
+              <a:rPr lang="de-DE" sz="1200" dirty="0"/>
+              <a:t>	</a:t>
+            </a:r>
+            <a:r>
+              <a:rPr lang="de-DE" sz="1200" dirty="0" err="1"/>
+              <a:t>mod_saw</a:t>
+            </a:r>
+            <a:r>
+              <a:rPr lang="de-DE" sz="1200" dirty="0"/>
+              <a:t>		</a:t>
+            </a:r>
+            <a:r>
+              <a:rPr lang="de-DE" sz="1200" dirty="0" err="1"/>
+              <a:t>mod_sine</a:t>
+            </a:r>
+            <a:r>
+              <a:rPr lang="de-DE" sz="1200" dirty="0"/>
+              <a:t>	</a:t>
+            </a:r>
+            <a:r>
+              <a:rPr lang="de-DE" sz="1200" dirty="0" err="1" smtClean="0"/>
+              <a:t>mod_tri</a:t>
+            </a:r>
+            <a:r>
+              <a:rPr lang="de-DE" sz="1200" dirty="0" smtClean="0"/>
+              <a:t>	pule</a:t>
+            </a:r>
+            <a:endParaRPr lang="de-DE" sz="1200" dirty="0"/>
+          </a:p>
+          <a:p>
+            <a:r>
+              <a:rPr lang="de-DE" sz="1200" dirty="0" err="1"/>
+              <a:t>noise</a:t>
+            </a:r>
+            <a:r>
+              <a:rPr lang="de-DE" sz="1200" dirty="0"/>
+              <a:t>	piano	</a:t>
+            </a:r>
+            <a:r>
+              <a:rPr lang="de-DE" sz="1200" dirty="0" err="1"/>
+              <a:t>pnoise</a:t>
+            </a:r>
+            <a:r>
+              <a:rPr lang="de-DE" sz="1200" dirty="0"/>
+              <a:t>	</a:t>
+            </a:r>
+            <a:r>
+              <a:rPr lang="de-DE" sz="1200" dirty="0" err="1"/>
+              <a:t>pretty_bell</a:t>
+            </a:r>
+            <a:r>
+              <a:rPr lang="de-DE" sz="1200" dirty="0"/>
+              <a:t>	</a:t>
+            </a:r>
+            <a:r>
+              <a:rPr lang="de-DE" sz="1200" dirty="0" err="1"/>
+              <a:t>prophet</a:t>
+            </a:r>
+            <a:r>
+              <a:rPr lang="de-DE" sz="1200" dirty="0"/>
+              <a:t>	</a:t>
+            </a:r>
+            <a:r>
+              <a:rPr lang="de-DE" sz="1200" dirty="0" err="1" smtClean="0"/>
+              <a:t>dtri</a:t>
+            </a:r>
+            <a:r>
+              <a:rPr lang="de-DE" sz="1200" dirty="0" smtClean="0"/>
+              <a:t>	</a:t>
+            </a:r>
+            <a:r>
+              <a:rPr lang="de-DE" sz="1200" dirty="0" err="1" smtClean="0"/>
+              <a:t>pluck</a:t>
+            </a:r>
+            <a:endParaRPr lang="de-DE" sz="1200" dirty="0"/>
+          </a:p>
+          <a:p>
+            <a:r>
+              <a:rPr lang="de-DE" sz="1200" dirty="0" err="1"/>
+              <a:t>saw</a:t>
+            </a:r>
+            <a:r>
+              <a:rPr lang="de-DE" sz="1200" dirty="0"/>
+              <a:t>	sine	</a:t>
+            </a:r>
+            <a:r>
+              <a:rPr lang="de-DE" sz="1200" dirty="0" err="1"/>
+              <a:t>square</a:t>
+            </a:r>
+            <a:r>
+              <a:rPr lang="de-DE" sz="1200" dirty="0"/>
+              <a:t>	</a:t>
+            </a:r>
+            <a:r>
+              <a:rPr lang="de-DE" sz="1200" dirty="0" err="1"/>
+              <a:t>subpulse</a:t>
+            </a:r>
+            <a:r>
+              <a:rPr lang="de-DE" sz="1200" dirty="0"/>
+              <a:t>	tb303	</a:t>
+            </a:r>
+            <a:r>
+              <a:rPr lang="de-DE" sz="1200" dirty="0" err="1"/>
+              <a:t>tri</a:t>
+            </a:r>
+            <a:r>
+              <a:rPr lang="de-DE" sz="1200" dirty="0"/>
+              <a:t>	</a:t>
+            </a:r>
+            <a:r>
+              <a:rPr lang="de-DE" sz="1200" dirty="0" err="1" smtClean="0"/>
+              <a:t>zawa</a:t>
+            </a:r>
+            <a:endParaRPr lang="de-DE" sz="1200" dirty="0"/>
+          </a:p>
+        </p:txBody>
+      </p:sp>
+      <p:sp>
+        <p:nvSpPr>
+          <p:cNvPr id="20" name="TextBox 19"/>
+          <p:cNvSpPr txBox="1"/>
+          <p:nvPr/>
+        </p:nvSpPr>
+        <p:spPr>
+          <a:xfrm>
+            <a:off x="5428397" y="7041135"/>
+            <a:ext cx="1198801" cy="1384995"/>
+          </a:xfrm>
+          <a:prstGeom prst="rect">
+            <a:avLst/>
+          </a:prstGeom>
+        </p:spPr>
+        <p:style>
+          <a:lnRef idx="1">
+            <a:schemeClr val="accent6"/>
+          </a:lnRef>
+          <a:fillRef idx="2">
+            <a:schemeClr val="accent6"/>
+          </a:fillRef>
+          <a:effectRef idx="1">
+            <a:schemeClr val="accent6"/>
+          </a:effectRef>
+          <a:fontRef idx="minor">
+            <a:schemeClr val="dk1"/>
+          </a:fontRef>
+        </p:style>
+        <p:txBody>
+          <a:bodyPr wrap="square" rtlCol="0">
+            <a:spAutoFit/>
+          </a:bodyPr>
+          <a:lstStyle/>
+          <a:p>
+            <a:r>
+              <a:rPr lang="nl-NL" sz="1050" dirty="0"/>
+              <a:t>:drum_cowbell</a:t>
+            </a:r>
+          </a:p>
+          <a:p>
+            <a:r>
+              <a:rPr lang="nl-NL" sz="1050" dirty="0"/>
+              <a:t>:drum_roll</a:t>
+            </a:r>
+          </a:p>
+          <a:p>
+            <a:r>
+              <a:rPr lang="nl-NL" sz="1050" dirty="0"/>
+              <a:t>:misc_cros</a:t>
+            </a:r>
+          </a:p>
+          <a:p>
+            <a:r>
+              <a:rPr lang="nl-NL" sz="1050" dirty="0"/>
+              <a:t>:misc_cineboom</a:t>
+            </a:r>
+          </a:p>
+          <a:p>
+            <a:r>
+              <a:rPr lang="nl-NL" sz="1050" dirty="0"/>
+              <a:t>:perc_swash</a:t>
+            </a:r>
+          </a:p>
+          <a:p>
+            <a:r>
+              <a:rPr lang="nl-NL" sz="1050" dirty="0"/>
+              <a:t>:perc_till</a:t>
+            </a:r>
+          </a:p>
+          <a:p>
+            <a:r>
+              <a:rPr lang="nl-NL" sz="1050" dirty="0"/>
+              <a:t>:loop_safari</a:t>
+            </a:r>
+          </a:p>
+          <a:p>
+            <a:r>
+              <a:rPr lang="nl-NL" sz="1050" dirty="0"/>
+              <a:t>:loop_tabla</a:t>
+            </a:r>
+          </a:p>
+        </p:txBody>
+      </p:sp>
     </p:spTree>
     <p:extLst>
       <p:ext uri="{BB962C8B-B14F-4D97-AF65-F5344CB8AC3E}">
@@ -9366,15 +9652,7 @@
           <a:p>
             <a:r>
               <a:rPr lang="de-DE" dirty="0" smtClean="0"/>
-              <a:t>	:a4	</a:t>
-            </a:r>
-            <a:r>
-              <a:rPr lang="de-DE" dirty="0" smtClean="0"/>
-              <a:t>:b4</a:t>
-            </a:r>
-            <a:r>
-              <a:rPr lang="de-DE" dirty="0" smtClean="0"/>
-              <a:t>	 :major7	:minor</a:t>
+              <a:t>	:a4	:b4	 :major7	:minor</a:t>
             </a:r>
           </a:p>
           <a:p>
@@ -10349,7 +10627,19 @@
             </a:r>
             <a:r>
               <a:rPr lang="de-DE" dirty="0" smtClean="0"/>
-              <a:t>blade	:tb303</a:t>
+              <a:t>blade	:tb303		:</a:t>
+            </a:r>
+            <a:r>
+              <a:rPr lang="de-DE" dirty="0" err="1" smtClean="0"/>
+              <a:t>pluck</a:t>
+            </a:r>
+            <a:r>
+              <a:rPr lang="de-DE" dirty="0" smtClean="0"/>
+              <a:t>		:</a:t>
+            </a:r>
+            <a:r>
+              <a:rPr lang="de-DE" dirty="0" err="1" smtClean="0"/>
+              <a:t>dtri</a:t>
             </a:r>
             <a:endParaRPr lang="de-DE" dirty="0"/>
           </a:p>
